--- a/Day 3.pptx
+++ b/Day 3.pptx
@@ -5,7 +5,7 @@
     <p:sldMasterId id="2147483660" r:id="rId4"/>
   </p:sldMasterIdLst>
   <p:notesMasterIdLst>
-    <p:notesMasterId r:id="rId31"/>
+    <p:notesMasterId r:id="rId34"/>
   </p:notesMasterIdLst>
   <p:sldIdLst>
     <p:sldId id="298" r:id="rId5"/>
@@ -14,26 +14,29 @@
     <p:sldId id="316" r:id="rId8"/>
     <p:sldId id="317" r:id="rId9"/>
     <p:sldId id="318" r:id="rId10"/>
-    <p:sldId id="306" r:id="rId11"/>
-    <p:sldId id="319" r:id="rId12"/>
-    <p:sldId id="320" r:id="rId13"/>
-    <p:sldId id="321" r:id="rId14"/>
-    <p:sldId id="305" r:id="rId15"/>
-    <p:sldId id="322" r:id="rId16"/>
+    <p:sldId id="319" r:id="rId11"/>
+    <p:sldId id="320" r:id="rId12"/>
+    <p:sldId id="321" r:id="rId13"/>
+    <p:sldId id="305" r:id="rId14"/>
+    <p:sldId id="322" r:id="rId15"/>
+    <p:sldId id="303" r:id="rId16"/>
     <p:sldId id="301" r:id="rId17"/>
     <p:sldId id="302" r:id="rId18"/>
-    <p:sldId id="303" r:id="rId19"/>
-    <p:sldId id="304" r:id="rId20"/>
-    <p:sldId id="313" r:id="rId21"/>
-    <p:sldId id="307" r:id="rId22"/>
+    <p:sldId id="304" r:id="rId19"/>
+    <p:sldId id="313" r:id="rId20"/>
+    <p:sldId id="307" r:id="rId21"/>
+    <p:sldId id="428" r:id="rId22"/>
     <p:sldId id="308" r:id="rId23"/>
     <p:sldId id="309" r:id="rId24"/>
     <p:sldId id="310" r:id="rId25"/>
-    <p:sldId id="323" r:id="rId26"/>
-    <p:sldId id="314" r:id="rId27"/>
-    <p:sldId id="324" r:id="rId28"/>
-    <p:sldId id="326" r:id="rId29"/>
-    <p:sldId id="327" r:id="rId30"/>
+    <p:sldId id="653" r:id="rId26"/>
+    <p:sldId id="430" r:id="rId27"/>
+    <p:sldId id="431" r:id="rId28"/>
+    <p:sldId id="323" r:id="rId29"/>
+    <p:sldId id="314" r:id="rId30"/>
+    <p:sldId id="324" r:id="rId31"/>
+    <p:sldId id="326" r:id="rId32"/>
+    <p:sldId id="327" r:id="rId33"/>
   </p:sldIdLst>
   <p:sldSz cx="12192000" cy="6858000"/>
   <p:notesSz cx="6858000" cy="9144000"/>
@@ -138,14 +141,6 @@
     </p:ext>
   </p:extLst>
 </p:presentation>
-</file>
-
-<file path=ppt/revisionInfo.xml><?xml version="1.0" encoding="utf-8"?>
-<p1510:revInfo xmlns:a="http://schemas.openxmlformats.org/drawingml/2006/main" xmlns:r="http://schemas.openxmlformats.org/officeDocument/2006/relationships" xmlns:p1510="http://schemas.microsoft.com/office/powerpoint/2015/10/main">
-  <p1510:revLst>
-    <p1510:client id="{F5CADCAC-96D5-42F7-B9F2-E3CBC6ABFC58}" v="148" dt="2020-08-09T19:02:30.531"/>
-  </p1510:revLst>
-</p1510:revInfo>
 </file>
 
 <file path=ppt/notesMasters/notesMaster1.xml><?xml version="1.0" encoding="utf-8"?>
@@ -649,6 +644,135 @@
           <a:bodyPr/>
           <a:lstStyle/>
           <a:p>
+            <a:pPr defTabSz="966529">
+              <a:defRPr/>
+            </a:pPr>
+            <a:r>
+              <a:rPr lang="en-US" dirty="0"/>
+              <a:t>Individuals in the Vertex1 column “point to” those in the Vertex2 column in this network. </a:t>
+            </a:r>
+          </a:p>
+          <a:p>
+            <a:pPr defTabSz="966529">
+              <a:defRPr/>
+            </a:pPr>
+            <a:endParaRPr lang="en-US" dirty="0"/>
+          </a:p>
+          <a:p>
+            <a:pPr defTabSz="966529">
+              <a:defRPr/>
+            </a:pPr>
+            <a:r>
+              <a:rPr lang="en-US" dirty="0"/>
+              <a:t>Additional columns containing attribute data could be used to describe each edge. For example, an Edge Weight column could be added with values representing the strength of various ties.</a:t>
+            </a:r>
+          </a:p>
+          <a:p>
+            <a:pPr defTabSz="966529">
+              <a:defRPr/>
+            </a:pPr>
+            <a:endParaRPr lang="en-US" dirty="0"/>
+          </a:p>
+          <a:p>
+            <a:pPr defTabSz="966529">
+              <a:defRPr/>
+            </a:pPr>
+            <a:r>
+              <a:rPr lang="en-US" dirty="0"/>
+              <a:t>The bottom table is the same data in a different representation called a matrix.</a:t>
+            </a:r>
+          </a:p>
+          <a:p>
+            <a:endParaRPr lang="en-US" dirty="0"/>
+          </a:p>
+          <a:p>
+            <a:r>
+              <a:rPr lang="en-US" dirty="0"/>
+              <a:t>This network is a directed network, as it is not symmetrical (i.e., Ann points to Bob in row 1, but Bob doesn’t point to Ann in row 2). If it were an undirected network it would be a symmetric matrix; if Ann points to Bob then Bob must necessarily point to Ann. </a:t>
+            </a:r>
+          </a:p>
+        </p:txBody>
+      </p:sp>
+      <p:sp>
+        <p:nvSpPr>
+          <p:cNvPr id="4" name="Slide Number Placeholder 3"/>
+          <p:cNvSpPr>
+            <a:spLocks noGrp="1"/>
+          </p:cNvSpPr>
+          <p:nvPr>
+            <p:ph type="sldNum" sz="quarter" idx="5"/>
+          </p:nvPr>
+        </p:nvSpPr>
+        <p:spPr/>
+        <p:txBody>
+          <a:bodyPr/>
+          <a:lstStyle/>
+          <a:p>
+            <a:fld id="{8FA0916C-EE75-4147-9DF9-3CADFEE45715}" type="slidenum">
+              <a:rPr lang="en-US" smtClean="0"/>
+              <a:t>18</a:t>
+            </a:fld>
+            <a:endParaRPr lang="en-US"/>
+          </a:p>
+        </p:txBody>
+      </p:sp>
+    </p:spTree>
+    <p:extLst>
+      <p:ext uri="{BB962C8B-B14F-4D97-AF65-F5344CB8AC3E}">
+        <p14:creationId xmlns:p14="http://schemas.microsoft.com/office/powerpoint/2010/main" val="2737640138"/>
+      </p:ext>
+    </p:extLst>
+  </p:cSld>
+  <p:clrMapOvr>
+    <a:masterClrMapping/>
+  </p:clrMapOvr>
+</p:notes>
+</file>
+
+<file path=ppt/notesSlides/notesSlide11.xml><?xml version="1.0" encoding="utf-8"?>
+<p:notes xmlns:a="http://schemas.openxmlformats.org/drawingml/2006/main" xmlns:r="http://schemas.openxmlformats.org/officeDocument/2006/relationships" xmlns:p="http://schemas.openxmlformats.org/presentationml/2006/main">
+  <p:cSld>
+    <p:spTree>
+      <p:nvGrpSpPr>
+        <p:cNvPr id="1" name=""/>
+        <p:cNvGrpSpPr/>
+        <p:nvPr/>
+      </p:nvGrpSpPr>
+      <p:grpSpPr>
+        <a:xfrm>
+          <a:off x="0" y="0"/>
+          <a:ext cx="0" cy="0"/>
+          <a:chOff x="0" y="0"/>
+          <a:chExt cx="0" cy="0"/>
+        </a:xfrm>
+      </p:grpSpPr>
+      <p:sp>
+        <p:nvSpPr>
+          <p:cNvPr id="2" name="Slide Image Placeholder 1"/>
+          <p:cNvSpPr>
+            <a:spLocks noGrp="1" noRot="1" noChangeAspect="1"/>
+          </p:cNvSpPr>
+          <p:nvPr>
+            <p:ph type="sldImg"/>
+          </p:nvPr>
+        </p:nvSpPr>
+        <p:spPr/>
+      </p:sp>
+      <p:sp>
+        <p:nvSpPr>
+          <p:cNvPr id="3" name="Notes Placeholder 2"/>
+          <p:cNvSpPr>
+            <a:spLocks noGrp="1"/>
+          </p:cNvSpPr>
+          <p:nvPr>
+            <p:ph type="body" idx="1"/>
+          </p:nvPr>
+        </p:nvSpPr>
+        <p:spPr/>
+        <p:txBody>
+          <a:bodyPr/>
+          <a:lstStyle/>
+          <a:p>
             <a:r>
               <a:rPr lang="en-US" dirty="0"/>
               <a:t>R will turn this format into an adjacency matrix for us…</a:t>
@@ -683,6 +807,295 @@
     <p:extLst>
       <p:ext uri="{BB962C8B-B14F-4D97-AF65-F5344CB8AC3E}">
         <p14:creationId xmlns:p14="http://schemas.microsoft.com/office/powerpoint/2010/main" val="1780369316"/>
+      </p:ext>
+    </p:extLst>
+  </p:cSld>
+  <p:clrMapOvr>
+    <a:masterClrMapping/>
+  </p:clrMapOvr>
+</p:notes>
+</file>
+
+<file path=ppt/notesSlides/notesSlide12.xml><?xml version="1.0" encoding="utf-8"?>
+<p:notes xmlns:a="http://schemas.openxmlformats.org/drawingml/2006/main" xmlns:r="http://schemas.openxmlformats.org/officeDocument/2006/relationships" xmlns:p="http://schemas.openxmlformats.org/presentationml/2006/main">
+  <p:cSld>
+    <p:spTree>
+      <p:nvGrpSpPr>
+        <p:cNvPr id="1" name=""/>
+        <p:cNvGrpSpPr/>
+        <p:nvPr/>
+      </p:nvGrpSpPr>
+      <p:grpSpPr>
+        <a:xfrm>
+          <a:off x="0" y="0"/>
+          <a:ext cx="0" cy="0"/>
+          <a:chOff x="0" y="0"/>
+          <a:chExt cx="0" cy="0"/>
+        </a:xfrm>
+      </p:grpSpPr>
+      <p:sp>
+        <p:nvSpPr>
+          <p:cNvPr id="2" name="Slide Image Placeholder 1"/>
+          <p:cNvSpPr>
+            <a:spLocks noGrp="1" noRot="1" noChangeAspect="1"/>
+          </p:cNvSpPr>
+          <p:nvPr>
+            <p:ph type="sldImg"/>
+          </p:nvPr>
+        </p:nvSpPr>
+        <p:spPr/>
+      </p:sp>
+      <p:sp>
+        <p:nvSpPr>
+          <p:cNvPr id="3" name="Notes Placeholder 2"/>
+          <p:cNvSpPr>
+            <a:spLocks noGrp="1"/>
+          </p:cNvSpPr>
+          <p:nvPr>
+            <p:ph type="body" idx="1"/>
+          </p:nvPr>
+        </p:nvSpPr>
+        <p:spPr/>
+        <p:txBody>
+          <a:bodyPr/>
+          <a:lstStyle/>
+          <a:p>
+            <a:endParaRPr lang="en-US" dirty="0"/>
+          </a:p>
+        </p:txBody>
+      </p:sp>
+      <p:sp>
+        <p:nvSpPr>
+          <p:cNvPr id="4" name="Slide Number Placeholder 3"/>
+          <p:cNvSpPr>
+            <a:spLocks noGrp="1"/>
+          </p:cNvSpPr>
+          <p:nvPr>
+            <p:ph type="sldNum" sz="quarter" idx="5"/>
+          </p:nvPr>
+        </p:nvSpPr>
+        <p:spPr/>
+        <p:txBody>
+          <a:bodyPr/>
+          <a:lstStyle/>
+          <a:p>
+            <a:fld id="{8FA0916C-EE75-4147-9DF9-3CADFEE45715}" type="slidenum">
+              <a:rPr lang="en-US" smtClean="0"/>
+              <a:t>22</a:t>
+            </a:fld>
+            <a:endParaRPr lang="en-US"/>
+          </a:p>
+        </p:txBody>
+      </p:sp>
+    </p:spTree>
+    <p:extLst>
+      <p:ext uri="{BB962C8B-B14F-4D97-AF65-F5344CB8AC3E}">
+        <p14:creationId xmlns:p14="http://schemas.microsoft.com/office/powerpoint/2010/main" val="1608852886"/>
+      </p:ext>
+    </p:extLst>
+  </p:cSld>
+  <p:clrMapOvr>
+    <a:masterClrMapping/>
+  </p:clrMapOvr>
+</p:notes>
+</file>
+
+<file path=ppt/notesSlides/notesSlide13.xml><?xml version="1.0" encoding="utf-8"?>
+<p:notes xmlns:a="http://schemas.openxmlformats.org/drawingml/2006/main" xmlns:r="http://schemas.openxmlformats.org/officeDocument/2006/relationships" xmlns:p="http://schemas.openxmlformats.org/presentationml/2006/main">
+  <p:cSld>
+    <p:spTree>
+      <p:nvGrpSpPr>
+        <p:cNvPr id="1" name=""/>
+        <p:cNvGrpSpPr/>
+        <p:nvPr/>
+      </p:nvGrpSpPr>
+      <p:grpSpPr>
+        <a:xfrm>
+          <a:off x="0" y="0"/>
+          <a:ext cx="0" cy="0"/>
+          <a:chOff x="0" y="0"/>
+          <a:chExt cx="0" cy="0"/>
+        </a:xfrm>
+      </p:grpSpPr>
+      <p:sp>
+        <p:nvSpPr>
+          <p:cNvPr id="2" name="Slide Image Placeholder 1"/>
+          <p:cNvSpPr>
+            <a:spLocks noGrp="1" noRot="1" noChangeAspect="1"/>
+          </p:cNvSpPr>
+          <p:nvPr>
+            <p:ph type="sldImg"/>
+          </p:nvPr>
+        </p:nvSpPr>
+        <p:spPr/>
+      </p:sp>
+      <p:sp>
+        <p:nvSpPr>
+          <p:cNvPr id="3" name="Notes Placeholder 2"/>
+          <p:cNvSpPr>
+            <a:spLocks noGrp="1"/>
+          </p:cNvSpPr>
+          <p:nvPr>
+            <p:ph type="body" idx="1"/>
+          </p:nvPr>
+        </p:nvSpPr>
+        <p:spPr/>
+        <p:txBody>
+          <a:bodyPr/>
+          <a:lstStyle/>
+          <a:p>
+            <a:r>
+              <a:rPr lang="en-US" sz="1200" dirty="0"/>
+              <a:t>Another set of metrics identifies individuals’ positions within a network. Paramount among these is the set of centrality measures, which describe how a particular vertex can be said to be in the “middle” of a network.</a:t>
+            </a:r>
+          </a:p>
+        </p:txBody>
+      </p:sp>
+      <p:sp>
+        <p:nvSpPr>
+          <p:cNvPr id="4" name="Slide Number Placeholder 3"/>
+          <p:cNvSpPr>
+            <a:spLocks noGrp="1"/>
+          </p:cNvSpPr>
+          <p:nvPr>
+            <p:ph type="sldNum" sz="quarter" idx="5"/>
+          </p:nvPr>
+        </p:nvSpPr>
+        <p:spPr/>
+        <p:txBody>
+          <a:bodyPr/>
+          <a:lstStyle/>
+          <a:p>
+            <a:fld id="{8FA0916C-EE75-4147-9DF9-3CADFEE45715}" type="slidenum">
+              <a:rPr lang="en-US" smtClean="0"/>
+              <a:t>23</a:t>
+            </a:fld>
+            <a:endParaRPr lang="en-US"/>
+          </a:p>
+        </p:txBody>
+      </p:sp>
+    </p:spTree>
+    <p:extLst>
+      <p:ext uri="{BB962C8B-B14F-4D97-AF65-F5344CB8AC3E}">
+        <p14:creationId xmlns:p14="http://schemas.microsoft.com/office/powerpoint/2010/main" val="1220415147"/>
+      </p:ext>
+    </p:extLst>
+  </p:cSld>
+  <p:clrMapOvr>
+    <a:masterClrMapping/>
+  </p:clrMapOvr>
+</p:notes>
+</file>
+
+<file path=ppt/notesSlides/notesSlide14.xml><?xml version="1.0" encoding="utf-8"?>
+<p:notes xmlns:a="http://schemas.openxmlformats.org/drawingml/2006/main" xmlns:r="http://schemas.openxmlformats.org/officeDocument/2006/relationships" xmlns:p="http://schemas.openxmlformats.org/presentationml/2006/main">
+  <p:cSld>
+    <p:spTree>
+      <p:nvGrpSpPr>
+        <p:cNvPr id="1" name=""/>
+        <p:cNvGrpSpPr/>
+        <p:nvPr/>
+      </p:nvGrpSpPr>
+      <p:grpSpPr>
+        <a:xfrm>
+          <a:off x="0" y="0"/>
+          <a:ext cx="0" cy="0"/>
+          <a:chOff x="0" y="0"/>
+          <a:chExt cx="0" cy="0"/>
+        </a:xfrm>
+      </p:grpSpPr>
+      <p:sp>
+        <p:nvSpPr>
+          <p:cNvPr id="2" name="Slide Image Placeholder 1"/>
+          <p:cNvSpPr>
+            <a:spLocks noGrp="1" noRot="1" noChangeAspect="1"/>
+          </p:cNvSpPr>
+          <p:nvPr>
+            <p:ph type="sldImg"/>
+          </p:nvPr>
+        </p:nvSpPr>
+        <p:spPr/>
+      </p:sp>
+      <p:sp>
+        <p:nvSpPr>
+          <p:cNvPr id="3" name="Notes Placeholder 2"/>
+          <p:cNvSpPr>
+            <a:spLocks noGrp="1"/>
+          </p:cNvSpPr>
+          <p:nvPr>
+            <p:ph type="body" idx="1"/>
+          </p:nvPr>
+        </p:nvSpPr>
+        <p:spPr/>
+        <p:txBody>
+          <a:bodyPr/>
+          <a:lstStyle/>
+          <a:p>
+            <a:r>
+              <a:rPr lang="en-US" dirty="0"/>
+              <a:t>A powerful set of tools for those who can master the demands of python or other programming languages and the application programmer interfaces (API) that give sophisticated users special access to resources</a:t>
+            </a:r>
+          </a:p>
+          <a:p>
+            <a:r>
+              <a:rPr lang="en-US" dirty="0"/>
+              <a:t>single tool designed for nonprogrammers, </a:t>
+            </a:r>
+            <a:r>
+              <a:rPr lang="en-US" dirty="0" err="1"/>
+              <a:t>NodeXL</a:t>
+            </a:r>
+            <a:r>
+              <a:rPr lang="en-US" dirty="0"/>
+              <a:t>, because of its relative ease of use, support for rich visuals and analytics, and integration with the ubiquitous Excel spreadsheet software. </a:t>
+            </a:r>
+          </a:p>
+          <a:p>
+            <a:r>
+              <a:rPr lang="en-US" dirty="0"/>
+              <a:t>for the noncoding user, </a:t>
+            </a:r>
+            <a:r>
+              <a:rPr lang="en-US" dirty="0" err="1"/>
+              <a:t>NodeXL</a:t>
+            </a:r>
+            <a:r>
+              <a:rPr lang="en-US" dirty="0"/>
+              <a:t> may be one of the easiest ways to both manipulate network graphs and get graphs from a variety of social media sources. </a:t>
+            </a:r>
+          </a:p>
+          <a:p>
+            <a:endParaRPr lang="en-US" dirty="0"/>
+          </a:p>
+        </p:txBody>
+      </p:sp>
+      <p:sp>
+        <p:nvSpPr>
+          <p:cNvPr id="4" name="Slide Number Placeholder 3"/>
+          <p:cNvSpPr>
+            <a:spLocks noGrp="1"/>
+          </p:cNvSpPr>
+          <p:nvPr>
+            <p:ph type="sldNum" sz="quarter" idx="5"/>
+          </p:nvPr>
+        </p:nvSpPr>
+        <p:spPr/>
+        <p:txBody>
+          <a:bodyPr/>
+          <a:lstStyle/>
+          <a:p>
+            <a:fld id="{8FA0916C-EE75-4147-9DF9-3CADFEE45715}" type="slidenum">
+              <a:rPr lang="en-US" smtClean="0"/>
+              <a:t>24</a:t>
+            </a:fld>
+            <a:endParaRPr lang="en-US"/>
+          </a:p>
+        </p:txBody>
+      </p:sp>
+    </p:spTree>
+    <p:extLst>
+      <p:ext uri="{BB962C8B-B14F-4D97-AF65-F5344CB8AC3E}">
+        <p14:creationId xmlns:p14="http://schemas.microsoft.com/office/powerpoint/2010/main" val="1449341271"/>
       </p:ext>
     </p:extLst>
   </p:cSld>
@@ -736,19 +1149,36 @@
           <a:bodyPr/>
           <a:lstStyle/>
           <a:p>
+            <a:pPr marL="0" marR="0" lvl="0" indent="0" algn="l" defTabSz="914400" rtl="0" eaLnBrk="1" fontAlgn="auto" latinLnBrk="0" hangingPunct="1">
+              <a:lnSpc>
+                <a:spcPct val="100000"/>
+              </a:lnSpc>
+              <a:spcBef>
+                <a:spcPts val="0"/>
+              </a:spcBef>
+              <a:spcAft>
+                <a:spcPts val="0"/>
+              </a:spcAft>
+              <a:buClrTx/>
+              <a:buSzTx/>
+              <a:buFontTx/>
+              <a:buNone/>
+              <a:tabLst/>
+              <a:defRPr/>
+            </a:pPr>
+            <a:r>
+              <a:rPr lang="en-US" dirty="0" err="1"/>
+              <a:t>Profe</a:t>
+            </a:r>
+            <a:r>
+              <a:rPr lang="en-US" dirty="0"/>
+              <a:t> represent one type of node, students are a different mode</a:t>
+            </a:r>
+          </a:p>
+          <a:p>
             <a:r>
               <a:rPr lang="en-US" dirty="0"/>
               <a:t>Students at a university are bound to professors</a:t>
-            </a:r>
-          </a:p>
-          <a:p>
-            <a:r>
-              <a:rPr lang="en-US" dirty="0" err="1"/>
-              <a:t>Profe</a:t>
-            </a:r>
-            <a:r>
-              <a:rPr lang="en-US" dirty="0"/>
-              <a:t> represent one type of node, students are a different mode</a:t>
             </a:r>
           </a:p>
         </p:txBody>
@@ -877,7 +1307,7 @@
           <a:p>
             <a:fld id="{D5180461-B8C0-47D9-BA19-142E2B28122E}" type="slidenum">
               <a:rPr lang="en-US" smtClean="0"/>
-              <a:t>8</a:t>
+              <a:t>7</a:t>
             </a:fld>
             <a:endParaRPr lang="en-US"/>
           </a:p>
@@ -964,7 +1394,7 @@
           <a:p>
             <a:fld id="{D5180461-B8C0-47D9-BA19-142E2B28122E}" type="slidenum">
               <a:rPr lang="en-US" smtClean="0"/>
-              <a:t>9</a:t>
+              <a:t>8</a:t>
             </a:fld>
             <a:endParaRPr lang="en-US"/>
           </a:p>
@@ -1112,7 +1542,7 @@
           <a:p>
             <a:fld id="{D5180461-B8C0-47D9-BA19-142E2B28122E}" type="slidenum">
               <a:rPr lang="en-US" smtClean="0"/>
-              <a:t>10</a:t>
+              <a:t>9</a:t>
             </a:fld>
             <a:endParaRPr lang="en-US"/>
           </a:p>
@@ -1202,7 +1632,7 @@
           <a:p>
             <a:fld id="{D5180461-B8C0-47D9-BA19-142E2B28122E}" type="slidenum">
               <a:rPr lang="en-US" smtClean="0"/>
-              <a:t>11</a:t>
+              <a:t>10</a:t>
             </a:fld>
             <a:endParaRPr lang="en-US"/>
           </a:p>
@@ -1293,7 +1723,7 @@
           <a:p>
             <a:fld id="{D5180461-B8C0-47D9-BA19-142E2B28122E}" type="slidenum">
               <a:rPr lang="en-US" smtClean="0"/>
-              <a:t>12</a:t>
+              <a:t>11</a:t>
             </a:fld>
             <a:endParaRPr lang="en-US"/>
           </a:p>
@@ -1481,7 +1911,7 @@
           <a:p>
             <a:fld id="{D5180461-B8C0-47D9-BA19-142E2B28122E}" type="slidenum">
               <a:rPr lang="en-US" smtClean="0"/>
-              <a:t>18</a:t>
+              <a:t>17</a:t>
             </a:fld>
             <a:endParaRPr lang="en-US"/>
           </a:p>
@@ -5144,131 +5574,6 @@
 <file path=ppt/slides/slide10.xml><?xml version="1.0" encoding="utf-8"?>
 <p:sld xmlns:a="http://schemas.openxmlformats.org/drawingml/2006/main" xmlns:r="http://schemas.openxmlformats.org/officeDocument/2006/relationships" xmlns:p="http://schemas.openxmlformats.org/presentationml/2006/main">
   <p:cSld>
-    <p:spTree>
-      <p:nvGrpSpPr>
-        <p:cNvPr id="1" name=""/>
-        <p:cNvGrpSpPr/>
-        <p:nvPr/>
-      </p:nvGrpSpPr>
-      <p:grpSpPr>
-        <a:xfrm>
-          <a:off x="0" y="0"/>
-          <a:ext cx="0" cy="0"/>
-          <a:chOff x="0" y="0"/>
-          <a:chExt cx="0" cy="0"/>
-        </a:xfrm>
-      </p:grpSpPr>
-      <p:sp>
-        <p:nvSpPr>
-          <p:cNvPr id="2" name="Title 1">
-            <a:extLst>
-              <a:ext uri="{FF2B5EF4-FFF2-40B4-BE49-F238E27FC236}">
-                <a16:creationId xmlns:a16="http://schemas.microsoft.com/office/drawing/2014/main" id="{2DA1112C-255C-4332-AB53-DF52939E4A71}"/>
-              </a:ext>
-            </a:extLst>
-          </p:cNvPr>
-          <p:cNvSpPr>
-            <a:spLocks noGrp="1"/>
-          </p:cNvSpPr>
-          <p:nvPr>
-            <p:ph type="title"/>
-          </p:nvPr>
-        </p:nvSpPr>
-        <p:spPr/>
-        <p:txBody>
-          <a:bodyPr/>
-          <a:lstStyle/>
-          <a:p>
-            <a:pPr algn="ctr"/>
-            <a:r>
-              <a:rPr lang="en-US" dirty="0"/>
-              <a:t>Arc Edges</a:t>
-            </a:r>
-          </a:p>
-        </p:txBody>
-      </p:sp>
-      <p:sp>
-        <p:nvSpPr>
-          <p:cNvPr id="3" name="Content Placeholder 2">
-            <a:extLst>
-              <a:ext uri="{FF2B5EF4-FFF2-40B4-BE49-F238E27FC236}">
-                <a16:creationId xmlns:a16="http://schemas.microsoft.com/office/drawing/2014/main" id="{3E0D46B5-9FEE-4FC6-A578-60DF20EE161A}"/>
-              </a:ext>
-            </a:extLst>
-          </p:cNvPr>
-          <p:cNvSpPr>
-            <a:spLocks noGrp="1"/>
-          </p:cNvSpPr>
-          <p:nvPr>
-            <p:ph idx="1"/>
-          </p:nvPr>
-        </p:nvSpPr>
-        <p:spPr/>
-        <p:txBody>
-          <a:bodyPr>
-            <a:normAutofit/>
-          </a:bodyPr>
-          <a:lstStyle/>
-          <a:p>
-            <a:pPr algn="ctr"/>
-            <a:r>
-              <a:rPr lang="en-US" sz="6000" b="1" dirty="0">
-                <a:solidFill>
-                  <a:schemeClr val="accent2">
-                    <a:lumMod val="60000"/>
-                    <a:lumOff val="40000"/>
-                  </a:schemeClr>
-                </a:solidFill>
-              </a:rPr>
-              <a:t>Weighted</a:t>
-            </a:r>
-          </a:p>
-          <a:p>
-            <a:pPr algn="ctr"/>
-            <a:r>
-              <a:rPr lang="en-US" sz="6000" b="1" dirty="0">
-                <a:solidFill>
-                  <a:schemeClr val="accent2">
-                    <a:lumMod val="60000"/>
-                    <a:lumOff val="40000"/>
-                  </a:schemeClr>
-                </a:solidFill>
-              </a:rPr>
-              <a:t>Unweighted</a:t>
-            </a:r>
-          </a:p>
-          <a:p>
-            <a:pPr algn="ctr"/>
-            <a:r>
-              <a:rPr lang="en-US" sz="6000" b="1" dirty="0">
-                <a:solidFill>
-                  <a:schemeClr val="accent2">
-                    <a:lumMod val="60000"/>
-                    <a:lumOff val="40000"/>
-                  </a:schemeClr>
-                </a:solidFill>
-              </a:rPr>
-              <a:t>(a.k.a. dichotomous or binary)</a:t>
-            </a:r>
-          </a:p>
-        </p:txBody>
-      </p:sp>
-    </p:spTree>
-    <p:extLst>
-      <p:ext uri="{BB962C8B-B14F-4D97-AF65-F5344CB8AC3E}">
-        <p14:creationId xmlns:p14="http://schemas.microsoft.com/office/powerpoint/2010/main" val="585826038"/>
-      </p:ext>
-    </p:extLst>
-  </p:cSld>
-  <p:clrMapOvr>
-    <a:masterClrMapping/>
-  </p:clrMapOvr>
-</p:sld>
-</file>
-
-<file path=ppt/slides/slide11.xml><?xml version="1.0" encoding="utf-8"?>
-<p:sld xmlns:a="http://schemas.openxmlformats.org/drawingml/2006/main" xmlns:r="http://schemas.openxmlformats.org/officeDocument/2006/relationships" xmlns:p="http://schemas.openxmlformats.org/presentationml/2006/main">
-  <p:cSld>
     <p:bg>
       <p:bgPr>
         <a:solidFill>
@@ -5695,6 +6000,114 @@
 </p:sld>
 </file>
 
+<file path=ppt/slides/slide11.xml><?xml version="1.0" encoding="utf-8"?>
+<p:sld xmlns:a="http://schemas.openxmlformats.org/drawingml/2006/main" xmlns:r="http://schemas.openxmlformats.org/officeDocument/2006/relationships" xmlns:p="http://schemas.openxmlformats.org/presentationml/2006/main">
+  <p:cSld>
+    <p:spTree>
+      <p:nvGrpSpPr>
+        <p:cNvPr id="1" name=""/>
+        <p:cNvGrpSpPr/>
+        <p:nvPr/>
+      </p:nvGrpSpPr>
+      <p:grpSpPr>
+        <a:xfrm>
+          <a:off x="0" y="0"/>
+          <a:ext cx="0" cy="0"/>
+          <a:chOff x="0" y="0"/>
+          <a:chExt cx="0" cy="0"/>
+        </a:xfrm>
+      </p:grpSpPr>
+      <p:sp>
+        <p:nvSpPr>
+          <p:cNvPr id="2" name="Title 1">
+            <a:extLst>
+              <a:ext uri="{FF2B5EF4-FFF2-40B4-BE49-F238E27FC236}">
+                <a16:creationId xmlns:a16="http://schemas.microsoft.com/office/drawing/2014/main" id="{024136DC-7DF7-44A5-B945-CB622606E98D}"/>
+              </a:ext>
+            </a:extLst>
+          </p:cNvPr>
+          <p:cNvSpPr>
+            <a:spLocks noGrp="1"/>
+          </p:cNvSpPr>
+          <p:nvPr>
+            <p:ph type="title"/>
+          </p:nvPr>
+        </p:nvSpPr>
+        <p:spPr/>
+        <p:txBody>
+          <a:bodyPr/>
+          <a:lstStyle/>
+          <a:p>
+            <a:r>
+              <a:rPr lang="en-US" dirty="0"/>
+              <a:t>Aesthetics: Layout</a:t>
+            </a:r>
+          </a:p>
+        </p:txBody>
+      </p:sp>
+      <p:sp>
+        <p:nvSpPr>
+          <p:cNvPr id="3" name="Content Placeholder 2">
+            <a:extLst>
+              <a:ext uri="{FF2B5EF4-FFF2-40B4-BE49-F238E27FC236}">
+                <a16:creationId xmlns:a16="http://schemas.microsoft.com/office/drawing/2014/main" id="{A828DC96-EAF2-4CB1-A919-80F173341A16}"/>
+              </a:ext>
+            </a:extLst>
+          </p:cNvPr>
+          <p:cNvSpPr>
+            <a:spLocks noGrp="1"/>
+          </p:cNvSpPr>
+          <p:nvPr>
+            <p:ph sz="half" idx="1"/>
+          </p:nvPr>
+        </p:nvSpPr>
+        <p:spPr/>
+        <p:txBody>
+          <a:bodyPr/>
+          <a:lstStyle/>
+          <a:p>
+            <a:endParaRPr lang="en-US"/>
+          </a:p>
+        </p:txBody>
+      </p:sp>
+      <p:sp>
+        <p:nvSpPr>
+          <p:cNvPr id="4" name="Content Placeholder 3">
+            <a:extLst>
+              <a:ext uri="{FF2B5EF4-FFF2-40B4-BE49-F238E27FC236}">
+                <a16:creationId xmlns:a16="http://schemas.microsoft.com/office/drawing/2014/main" id="{A210A15C-4892-42A2-B2F1-CA3785C41F0F}"/>
+              </a:ext>
+            </a:extLst>
+          </p:cNvPr>
+          <p:cNvSpPr>
+            <a:spLocks noGrp="1"/>
+          </p:cNvSpPr>
+          <p:nvPr>
+            <p:ph sz="half" idx="2"/>
+          </p:nvPr>
+        </p:nvSpPr>
+        <p:spPr/>
+        <p:txBody>
+          <a:bodyPr/>
+          <a:lstStyle/>
+          <a:p>
+            <a:endParaRPr lang="en-US"/>
+          </a:p>
+        </p:txBody>
+      </p:sp>
+    </p:spTree>
+    <p:extLst>
+      <p:ext uri="{BB962C8B-B14F-4D97-AF65-F5344CB8AC3E}">
+        <p14:creationId xmlns:p14="http://schemas.microsoft.com/office/powerpoint/2010/main" val="1167022563"/>
+      </p:ext>
+    </p:extLst>
+  </p:cSld>
+  <p:clrMapOvr>
+    <a:masterClrMapping/>
+  </p:clrMapOvr>
+</p:sld>
+</file>
+
 <file path=ppt/slides/slide12.xml><?xml version="1.0" encoding="utf-8"?>
 <p:sld xmlns:a="http://schemas.openxmlformats.org/drawingml/2006/main" xmlns:r="http://schemas.openxmlformats.org/officeDocument/2006/relationships" xmlns:p="http://schemas.openxmlformats.org/presentationml/2006/main">
   <p:cSld>
@@ -5717,7 +6130,7 @@
           <p:cNvPr id="2" name="Title 1">
             <a:extLst>
               <a:ext uri="{FF2B5EF4-FFF2-40B4-BE49-F238E27FC236}">
-                <a16:creationId xmlns:a16="http://schemas.microsoft.com/office/drawing/2014/main" id="{024136DC-7DF7-44A5-B945-CB622606E98D}"/>
+                <a16:creationId xmlns:a16="http://schemas.microsoft.com/office/drawing/2014/main" id="{7DA3008A-16D1-481D-80CF-505134506C93}"/>
               </a:ext>
             </a:extLst>
           </p:cNvPr>
@@ -5735,7 +6148,7 @@
           <a:p>
             <a:r>
               <a:rPr lang="en-US" dirty="0"/>
-              <a:t>Aesthetics: Layout</a:t>
+              <a:t>Visualization Aesthetics</a:t>
             </a:r>
           </a:p>
         </p:txBody>
@@ -5745,7 +6158,7 @@
           <p:cNvPr id="3" name="Content Placeholder 2">
             <a:extLst>
               <a:ext uri="{FF2B5EF4-FFF2-40B4-BE49-F238E27FC236}">
-                <a16:creationId xmlns:a16="http://schemas.microsoft.com/office/drawing/2014/main" id="{A828DC96-EAF2-4CB1-A919-80F173341A16}"/>
+                <a16:creationId xmlns:a16="http://schemas.microsoft.com/office/drawing/2014/main" id="{E9B403D4-38FF-499F-8E30-74AB51589C4B}"/>
               </a:ext>
             </a:extLst>
           </p:cNvPr>
@@ -5753,47 +6166,70 @@
             <a:spLocks noGrp="1"/>
           </p:cNvSpPr>
           <p:nvPr>
-            <p:ph sz="half" idx="1"/>
+            <p:ph idx="1"/>
           </p:nvPr>
         </p:nvSpPr>
         <p:spPr/>
         <p:txBody>
-          <a:bodyPr/>
-          <a:lstStyle/>
-          <a:p>
-            <a:endParaRPr lang="en-US"/>
-          </a:p>
-        </p:txBody>
-      </p:sp>
-      <p:sp>
-        <p:nvSpPr>
-          <p:cNvPr id="4" name="Content Placeholder 3">
-            <a:extLst>
-              <a:ext uri="{FF2B5EF4-FFF2-40B4-BE49-F238E27FC236}">
-                <a16:creationId xmlns:a16="http://schemas.microsoft.com/office/drawing/2014/main" id="{A210A15C-4892-42A2-B2F1-CA3785C41F0F}"/>
-              </a:ext>
-            </a:extLst>
-          </p:cNvPr>
-          <p:cNvSpPr>
-            <a:spLocks noGrp="1"/>
-          </p:cNvSpPr>
-          <p:nvPr>
-            <p:ph sz="half" idx="2"/>
-          </p:nvPr>
-        </p:nvSpPr>
-        <p:spPr/>
-        <p:txBody>
-          <a:bodyPr/>
-          <a:lstStyle/>
-          <a:p>
-            <a:endParaRPr lang="en-US"/>
+          <a:bodyPr>
+            <a:normAutofit/>
+          </a:bodyPr>
+          <a:lstStyle/>
+          <a:p>
+            <a:r>
+              <a:rPr lang="en-US" dirty="0"/>
+              <a:t>In network maps, as in other visualization formats, several key elements control the outcome. </a:t>
+            </a:r>
+          </a:p>
+          <a:p>
+            <a:pPr lvl="1"/>
+            <a:r>
+              <a:rPr lang="en-US" dirty="0"/>
+              <a:t>Color, size, shape, and position</a:t>
+            </a:r>
+          </a:p>
+          <a:p>
+            <a:r>
+              <a:rPr lang="en-US" dirty="0"/>
+              <a:t>Modern graph layouts are optimized for speed and aesthetics. </a:t>
+            </a:r>
+          </a:p>
+          <a:p>
+            <a:pPr lvl="1"/>
+            <a:r>
+              <a:rPr lang="en-US" dirty="0"/>
+              <a:t>They seek to minimize overlaps and edge crossing and ensure similar edge length across the graph.</a:t>
+            </a:r>
+          </a:p>
+          <a:p>
+            <a:r>
+              <a:rPr lang="en-US" dirty="0"/>
+              <a:t>The main concern in designing a network visualization is the purpose it has to serve. </a:t>
+            </a:r>
+          </a:p>
+          <a:p>
+            <a:pPr lvl="1"/>
+            <a:r>
+              <a:rPr lang="en-US" dirty="0"/>
+              <a:t>What are the structural properties that we want to highlight? </a:t>
+            </a:r>
+          </a:p>
+          <a:p>
+            <a:pPr lvl="1"/>
+            <a:r>
+              <a:rPr lang="en-US" dirty="0"/>
+              <a:t>What are the key concerns we want to address?</a:t>
+            </a:r>
+          </a:p>
+          <a:p>
+            <a:endParaRPr lang="en-US" dirty="0"/>
           </a:p>
         </p:txBody>
       </p:sp>
     </p:spTree>
     <p:extLst>
       <p:ext uri="{BB962C8B-B14F-4D97-AF65-F5344CB8AC3E}">
-        <p14:creationId xmlns:p14="http://schemas.microsoft.com/office/powerpoint/2010/main" val="1167022563"/>
+        <p14:creationId xmlns:p14="http://schemas.microsoft.com/office/powerpoint/2010/main" val="3565924450"/>
       </p:ext>
     </p:extLst>
   </p:cSld>
@@ -5808,9 +6244,32 @@
   <p:cSld>
     <p:bg>
       <p:bgPr>
-        <a:solidFill>
-          <a:schemeClr val="bg1"/>
-        </a:solidFill>
+        <a:gradFill rotWithShape="1">
+          <a:gsLst>
+            <a:gs pos="0">
+              <a:schemeClr val="bg1">
+                <a:tint val="96000"/>
+                <a:shade val="99000"/>
+                <a:satMod val="140000"/>
+              </a:schemeClr>
+            </a:gs>
+            <a:gs pos="65000">
+              <a:schemeClr val="bg1">
+                <a:tint val="100000"/>
+                <a:shade val="80000"/>
+                <a:satMod val="130000"/>
+              </a:schemeClr>
+            </a:gs>
+            <a:gs pos="100000">
+              <a:schemeClr val="bg1">
+                <a:tint val="100000"/>
+                <a:shade val="48000"/>
+                <a:satMod val="120000"/>
+              </a:schemeClr>
+            </a:gs>
+          </a:gsLst>
+          <a:lin ang="16200000" scaled="0"/>
+        </a:gradFill>
         <a:effectLst/>
       </p:bgPr>
     </p:bg>
@@ -5828,12 +6287,12 @@
           <a:chExt cx="0" cy="0"/>
         </a:xfrm>
       </p:grpSpPr>
-      <p:sp useBgFill="1">
-        <p:nvSpPr>
-          <p:cNvPr id="9" name="Rectangle 8">
-            <a:extLst>
-              <a:ext uri="{FF2B5EF4-FFF2-40B4-BE49-F238E27FC236}">
-                <a16:creationId xmlns:a16="http://schemas.microsoft.com/office/drawing/2014/main" id="{0AB6E427-3F73-4C06-A5D5-AE52C3883B50}"/>
+      <p:sp>
+        <p:nvSpPr>
+          <p:cNvPr id="27" name="Rectangle 26">
+            <a:extLst>
+              <a:ext uri="{FF2B5EF4-FFF2-40B4-BE49-F238E27FC236}">
+                <a16:creationId xmlns:a16="http://schemas.microsoft.com/office/drawing/2014/main" id="{A8E9C91B-7EAD-4562-AB0E-DFB9663AECE3}"/>
               </a:ext>
               <a:ext uri="{C183D7F6-B498-43B3-948B-1728B52AA6E4}">
                 <adec:decorative xmlns:adec="http://schemas.microsoft.com/office/drawing/2017/decorative" val="1"/>
@@ -5853,68 +6312,8 @@
         </p:nvSpPr>
         <p:spPr>
           <a:xfrm>
-            <a:off x="5685" y="0"/>
-            <a:ext cx="12186315" cy="6858000"/>
-          </a:xfrm>
-          <a:prstGeom prst="rect">
-            <a:avLst/>
-          </a:prstGeom>
-          <a:ln>
-            <a:noFill/>
-          </a:ln>
-        </p:spPr>
-        <p:style>
-          <a:lnRef idx="2">
-            <a:schemeClr val="accent6">
-              <a:shade val="50000"/>
-            </a:schemeClr>
-          </a:lnRef>
-          <a:fillRef idx="1001">
-            <a:schemeClr val="lt1"/>
-          </a:fillRef>
-          <a:effectRef idx="0">
-            <a:schemeClr val="accent6"/>
-          </a:effectRef>
-          <a:fontRef idx="minor">
-            <a:schemeClr val="lt1"/>
-          </a:fontRef>
-        </p:style>
-        <p:txBody>
-          <a:bodyPr rtlCol="0" anchor="ctr"/>
-          <a:lstStyle/>
-          <a:p>
-            <a:pPr algn="ctr"/>
-            <a:endParaRPr lang="en-US"/>
-          </a:p>
-        </p:txBody>
-      </p:sp>
-      <p:sp>
-        <p:nvSpPr>
-          <p:cNvPr id="11" name="Rectangle 10">
-            <a:extLst>
-              <a:ext uri="{FF2B5EF4-FFF2-40B4-BE49-F238E27FC236}">
-                <a16:creationId xmlns:a16="http://schemas.microsoft.com/office/drawing/2014/main" id="{D8C9BDAA-0390-4B39-9B5C-BC95E5120DA4}"/>
-              </a:ext>
-              <a:ext uri="{C183D7F6-B498-43B3-948B-1728B52AA6E4}">
-                <adec:decorative xmlns:adec="http://schemas.microsoft.com/office/drawing/2017/decorative" val="1"/>
-              </a:ext>
-            </a:extLst>
-          </p:cNvPr>
-          <p:cNvSpPr>
-            <a:spLocks noGrp="1" noRot="1" noChangeAspect="1" noMove="1" noResize="1" noEditPoints="1" noAdjustHandles="1" noChangeArrowheads="1" noChangeShapeType="1" noTextEdit="1"/>
-          </p:cNvSpPr>
-          <p:nvPr>
-            <p:extLst>
-              <p:ext uri="{386F3935-93C4-4BCD-93E2-E3B085C9AB24}">
-                <p16:designElem xmlns:p16="http://schemas.microsoft.com/office/powerpoint/2015/main" val="1"/>
-              </p:ext>
-            </p:extLst>
-          </p:nvPr>
-        </p:nvSpPr>
-        <p:spPr>
-          <a:xfrm>
-            <a:off x="16" y="0"/>
-            <a:ext cx="4059919" cy="6858000"/>
+            <a:off x="3175" y="6400800"/>
+            <a:ext cx="12188825" cy="457200"/>
           </a:xfrm>
           <a:prstGeom prst="rect">
             <a:avLst/>
@@ -5943,60 +6342,21 @@
           </a:fontRef>
         </p:style>
       </p:sp>
-      <p:sp>
-        <p:nvSpPr>
-          <p:cNvPr id="2" name="Title 1">
-            <a:extLst>
-              <a:ext uri="{FF2B5EF4-FFF2-40B4-BE49-F238E27FC236}">
-                <a16:creationId xmlns:a16="http://schemas.microsoft.com/office/drawing/2014/main" id="{34B04564-7553-4ACD-B602-1A7E62C19B77}"/>
-              </a:ext>
-            </a:extLst>
-          </p:cNvPr>
-          <p:cNvSpPr>
-            <a:spLocks noGrp="1"/>
-          </p:cNvSpPr>
-          <p:nvPr>
-            <p:ph type="title"/>
-          </p:nvPr>
-        </p:nvSpPr>
-        <p:spPr>
-          <a:xfrm>
-            <a:off x="492370" y="516836"/>
-            <a:ext cx="3084844" cy="1961086"/>
-          </a:xfrm>
-        </p:spPr>
-        <p:txBody>
-          <a:bodyPr>
-            <a:normAutofit/>
-          </a:bodyPr>
-          <a:lstStyle/>
-          <a:p>
-            <a:r>
-              <a:rPr lang="en-US" sz="3400">
-                <a:solidFill>
-                  <a:srgbClr val="FFFFFF"/>
-                </a:solidFill>
-              </a:rPr>
-              <a:t>Introduction: network visualization</a:t>
-            </a:r>
-          </a:p>
-        </p:txBody>
-      </p:sp>
-      <p:cxnSp>
-        <p:nvCxnSpPr>
-          <p:cNvPr id="13" name="Straight Connector 12">
-            <a:extLst>
-              <a:ext uri="{FF2B5EF4-FFF2-40B4-BE49-F238E27FC236}">
-                <a16:creationId xmlns:a16="http://schemas.microsoft.com/office/drawing/2014/main" id="{E04A321A-A039-4720-87B4-66A4210E0D57}"/>
+      <p:sp useBgFill="1">
+        <p:nvSpPr>
+          <p:cNvPr id="29" name="Rectangle 28">
+            <a:extLst>
+              <a:ext uri="{FF2B5EF4-FFF2-40B4-BE49-F238E27FC236}">
+                <a16:creationId xmlns:a16="http://schemas.microsoft.com/office/drawing/2014/main" id="{2C7211D9-E545-4D00-9874-641EC7C7BD85}"/>
               </a:ext>
               <a:ext uri="{C183D7F6-B498-43B3-948B-1728B52AA6E4}">
                 <adec:decorative xmlns:adec="http://schemas.microsoft.com/office/drawing/2017/decorative" val="1"/>
               </a:ext>
             </a:extLst>
           </p:cNvPr>
-          <p:cNvCxnSpPr>
-            <a:cxnSpLocks noGrp="1" noRot="1" noChangeAspect="1" noMove="1" noResize="1" noEditPoints="1" noAdjustHandles="1" noChangeArrowheads="1" noChangeShapeType="1"/>
-          </p:cNvCxnSpPr>
+          <p:cNvSpPr>
+            <a:spLocks noGrp="1" noRot="1" noChangeAspect="1" noMove="1" noResize="1" noEditPoints="1" noAdjustHandles="1" noChangeArrowheads="1" noChangeShapeType="1" noTextEdit="1"/>
+          </p:cNvSpPr>
           <p:nvPr>
             <p:extLst>
               <p:ext uri="{386F3935-93C4-4BCD-93E2-E3B085C9AB24}">
@@ -6004,78 +6364,112 @@
               </p:ext>
             </p:extLst>
           </p:nvPr>
-        </p:nvCxnSpPr>
+        </p:nvSpPr>
         <p:spPr>
           <a:xfrm>
-            <a:off x="571752" y="2638787"/>
-            <a:ext cx="2743200" cy="0"/>
+            <a:off x="0" y="0"/>
+            <a:ext cx="12192000" cy="6858000"/>
           </a:xfrm>
-          <a:prstGeom prst="line">
+          <a:prstGeom prst="rect">
             <a:avLst/>
           </a:prstGeom>
-          <a:ln w="19050">
-            <a:solidFill>
-              <a:schemeClr val="accent1"/>
-            </a:solidFill>
+          <a:ln>
+            <a:noFill/>
           </a:ln>
         </p:spPr>
         <p:style>
-          <a:lnRef idx="1">
-            <a:schemeClr val="accent1"/>
+          <a:lnRef idx="2">
+            <a:schemeClr val="accent1">
+              <a:shade val="50000"/>
+            </a:schemeClr>
           </a:lnRef>
-          <a:fillRef idx="0">
+          <a:fillRef idx="1">
             <a:schemeClr val="accent1"/>
           </a:fillRef>
           <a:effectRef idx="0">
             <a:schemeClr val="accent1"/>
           </a:effectRef>
           <a:fontRef idx="minor">
-            <a:schemeClr val="tx1"/>
+            <a:schemeClr val="lt1"/>
           </a:fontRef>
         </p:style>
-      </p:cxnSp>
-      <p:sp>
-        <p:nvSpPr>
-          <p:cNvPr id="3" name="Content Placeholder 2">
-            <a:extLst>
-              <a:ext uri="{FF2B5EF4-FFF2-40B4-BE49-F238E27FC236}">
-                <a16:creationId xmlns:a16="http://schemas.microsoft.com/office/drawing/2014/main" id="{F89F5408-EE46-46BD-81C4-32B74A83E6CC}"/>
-              </a:ext>
-            </a:extLst>
-          </p:cNvPr>
-          <p:cNvSpPr>
-            <a:spLocks noGrp="1"/>
-          </p:cNvSpPr>
-          <p:nvPr>
-            <p:ph idx="1"/>
+        <p:txBody>
+          <a:bodyPr rtlCol="0" anchor="ctr"/>
+          <a:lstStyle/>
+          <a:p>
+            <a:pPr algn="ctr"/>
+            <a:endParaRPr lang="en-US"/>
+          </a:p>
+        </p:txBody>
+      </p:sp>
+      <p:sp>
+        <p:nvSpPr>
+          <p:cNvPr id="31" name="Rectangle 30">
+            <a:extLst>
+              <a:ext uri="{FF2B5EF4-FFF2-40B4-BE49-F238E27FC236}">
+                <a16:creationId xmlns:a16="http://schemas.microsoft.com/office/drawing/2014/main" id="{5DBBC34A-8C43-4368-951E-A04EB7C00E32}"/>
+              </a:ext>
+              <a:ext uri="{C183D7F6-B498-43B3-948B-1728B52AA6E4}">
+                <adec:decorative xmlns:adec="http://schemas.microsoft.com/office/drawing/2017/decorative" val="1"/>
+              </a:ext>
+            </a:extLst>
+          </p:cNvPr>
+          <p:cNvSpPr>
+            <a:spLocks noGrp="1" noRot="1" noChangeAspect="1" noMove="1" noResize="1" noEditPoints="1" noAdjustHandles="1" noChangeArrowheads="1" noChangeShapeType="1" noTextEdit="1"/>
+          </p:cNvSpPr>
+          <p:nvPr>
+            <p:extLst>
+              <p:ext uri="{386F3935-93C4-4BCD-93E2-E3B085C9AB24}">
+                <p16:designElem xmlns:p16="http://schemas.microsoft.com/office/powerpoint/2015/main" val="1"/>
+              </p:ext>
+            </p:extLst>
           </p:nvPr>
         </p:nvSpPr>
         <p:spPr>
           <a:xfrm>
-            <a:off x="571752" y="2799654"/>
-            <a:ext cx="3005462" cy="3189665"/>
+            <a:off x="477012" y="480060"/>
+            <a:ext cx="11237976" cy="5897880"/>
           </a:xfrm>
+          <a:prstGeom prst="rect">
+            <a:avLst/>
+          </a:prstGeom>
+          <a:solidFill>
+            <a:schemeClr val="bg1"/>
+          </a:solidFill>
+          <a:ln w="22225">
+            <a:solidFill>
+              <a:srgbClr val="DDD994"/>
+            </a:solidFill>
+          </a:ln>
         </p:spPr>
-        <p:txBody>
-          <a:bodyPr>
-            <a:normAutofit/>
-          </a:bodyPr>
-          <a:lstStyle/>
-          <a:p>
-            <a:r>
-              <a:rPr lang="en-US" sz="1800">
-                <a:solidFill>
-                  <a:srgbClr val="FFFFFF"/>
-                </a:solidFill>
-              </a:rPr>
-              <a:t>The main concern in designing a network visualization is the purpose it has to serve. What are the structural properties that we want to highlight? What are the key concerns we want to address?</a:t>
-            </a:r>
+        <p:style>
+          <a:lnRef idx="2">
+            <a:schemeClr val="accent1">
+              <a:shade val="50000"/>
+            </a:schemeClr>
+          </a:lnRef>
+          <a:fillRef idx="1">
+            <a:schemeClr val="accent1"/>
+          </a:fillRef>
+          <a:effectRef idx="0">
+            <a:schemeClr val="accent1"/>
+          </a:effectRef>
+          <a:fontRef idx="minor">
+            <a:schemeClr val="lt1"/>
+          </a:fontRef>
+        </p:style>
+        <p:txBody>
+          <a:bodyPr rtlCol="0" anchor="ctr"/>
+          <a:lstStyle/>
+          <a:p>
+            <a:pPr algn="ctr"/>
+            <a:endParaRPr lang="en-US"/>
           </a:p>
         </p:txBody>
       </p:sp>
       <p:pic>
         <p:nvPicPr>
-          <p:cNvPr id="4" name="Picture 3">
+          <p:cNvPr id="4" name="Picture 3" descr="A close up of a device&#10;&#10;Description automatically generated">
             <a:extLst>
               <a:ext uri="{FF2B5EF4-FFF2-40B4-BE49-F238E27FC236}">
                 <a16:creationId xmlns:a16="http://schemas.microsoft.com/office/drawing/2014/main" id="{06386F68-D303-41E2-8BCF-9DAB71C6B481}"/>
@@ -6095,8 +6489,8 @@
         </p:blipFill>
         <p:spPr>
           <a:xfrm>
-            <a:off x="4742017" y="1007183"/>
-            <a:ext cx="6798082" cy="4843633"/>
+            <a:off x="2409464" y="801793"/>
+            <a:ext cx="7367483" cy="5249332"/>
           </a:xfrm>
           <a:prstGeom prst="rect">
             <a:avLst/>
@@ -6248,7 +6642,7 @@
           <p:cNvPr id="2" name="Title 1">
             <a:extLst>
               <a:ext uri="{FF2B5EF4-FFF2-40B4-BE49-F238E27FC236}">
-                <a16:creationId xmlns:a16="http://schemas.microsoft.com/office/drawing/2014/main" id="{7DA3008A-16D1-481D-80CF-505134506C93}"/>
+                <a16:creationId xmlns:a16="http://schemas.microsoft.com/office/drawing/2014/main" id="{42900F02-AA57-44BE-A40B-563D138857FA}"/>
               </a:ext>
             </a:extLst>
           </p:cNvPr>
@@ -6266,55 +6660,15 @@
           <a:p>
             <a:r>
               <a:rPr lang="en-US" dirty="0"/>
-              <a:t>Visualization Aesthetics</a:t>
-            </a:r>
-          </a:p>
-        </p:txBody>
-      </p:sp>
-      <p:sp>
-        <p:nvSpPr>
-          <p:cNvPr id="3" name="Content Placeholder 2">
-            <a:extLst>
-              <a:ext uri="{FF2B5EF4-FFF2-40B4-BE49-F238E27FC236}">
-                <a16:creationId xmlns:a16="http://schemas.microsoft.com/office/drawing/2014/main" id="{E9B403D4-38FF-499F-8E30-74AB51589C4B}"/>
-              </a:ext>
-            </a:extLst>
-          </p:cNvPr>
-          <p:cNvSpPr>
-            <a:spLocks noGrp="1"/>
-          </p:cNvSpPr>
-          <p:nvPr>
-            <p:ph idx="1"/>
-          </p:nvPr>
-        </p:nvSpPr>
-        <p:spPr/>
-        <p:txBody>
-          <a:bodyPr/>
-          <a:lstStyle/>
-          <a:p>
-            <a:r>
-              <a:rPr lang="en-US" dirty="0"/>
-              <a:t>In network maps, as in other visualization formats, we have several key elements that control the outcome. The major ones are color, size, shape, and position</a:t>
-            </a:r>
-          </a:p>
-          <a:p>
-            <a:r>
-              <a:rPr lang="en-US" dirty="0"/>
-              <a:t>Modern graph layouts are optimized for speed and aesthetics. In particular, they seek to minimize overlaps and edge crossing, and ensure similar edge length across the graph.</a:t>
-            </a:r>
-          </a:p>
-          <a:p>
-            <a:br>
-              <a:rPr lang="en-US" dirty="0"/>
-            </a:br>
-            <a:endParaRPr lang="en-US" dirty="0"/>
+              <a:t>Working with Network Data</a:t>
+            </a:r>
           </a:p>
         </p:txBody>
       </p:sp>
     </p:spTree>
     <p:extLst>
       <p:ext uri="{BB962C8B-B14F-4D97-AF65-F5344CB8AC3E}">
-        <p14:creationId xmlns:p14="http://schemas.microsoft.com/office/powerpoint/2010/main" val="3565924450"/>
+        <p14:creationId xmlns:p14="http://schemas.microsoft.com/office/powerpoint/2010/main" val="458540687"/>
       </p:ext>
     </p:extLst>
   </p:cSld>
@@ -6346,89 +6700,6 @@
           <p:cNvPr id="2" name="Title 1">
             <a:extLst>
               <a:ext uri="{FF2B5EF4-FFF2-40B4-BE49-F238E27FC236}">
-                <a16:creationId xmlns:a16="http://schemas.microsoft.com/office/drawing/2014/main" id="{42900F02-AA57-44BE-A40B-563D138857FA}"/>
-              </a:ext>
-            </a:extLst>
-          </p:cNvPr>
-          <p:cNvSpPr>
-            <a:spLocks noGrp="1"/>
-          </p:cNvSpPr>
-          <p:nvPr>
-            <p:ph type="title"/>
-          </p:nvPr>
-        </p:nvSpPr>
-        <p:spPr/>
-        <p:txBody>
-          <a:bodyPr/>
-          <a:lstStyle/>
-          <a:p>
-            <a:r>
-              <a:rPr lang="en-US" dirty="0"/>
-              <a:t>Working with Network Data</a:t>
-            </a:r>
-          </a:p>
-        </p:txBody>
-      </p:sp>
-      <p:sp>
-        <p:nvSpPr>
-          <p:cNvPr id="3" name="Content Placeholder 2">
-            <a:extLst>
-              <a:ext uri="{FF2B5EF4-FFF2-40B4-BE49-F238E27FC236}">
-                <a16:creationId xmlns:a16="http://schemas.microsoft.com/office/drawing/2014/main" id="{50DC6BF8-8795-49D6-9AD8-7C248104CD19}"/>
-              </a:ext>
-            </a:extLst>
-          </p:cNvPr>
-          <p:cNvSpPr>
-            <a:spLocks noGrp="1"/>
-          </p:cNvSpPr>
-          <p:nvPr>
-            <p:ph idx="1"/>
-          </p:nvPr>
-        </p:nvSpPr>
-        <p:spPr/>
-        <p:txBody>
-          <a:bodyPr/>
-          <a:lstStyle/>
-          <a:p>
-            <a:endParaRPr lang="en-US"/>
-          </a:p>
-        </p:txBody>
-      </p:sp>
-    </p:spTree>
-    <p:extLst>
-      <p:ext uri="{BB962C8B-B14F-4D97-AF65-F5344CB8AC3E}">
-        <p14:creationId xmlns:p14="http://schemas.microsoft.com/office/powerpoint/2010/main" val="458540687"/>
-      </p:ext>
-    </p:extLst>
-  </p:cSld>
-  <p:clrMapOvr>
-    <a:masterClrMapping/>
-  </p:clrMapOvr>
-</p:sld>
-</file>
-
-<file path=ppt/slides/slide17.xml><?xml version="1.0" encoding="utf-8"?>
-<p:sld xmlns:a="http://schemas.openxmlformats.org/drawingml/2006/main" xmlns:r="http://schemas.openxmlformats.org/officeDocument/2006/relationships" xmlns:p="http://schemas.openxmlformats.org/presentationml/2006/main">
-  <p:cSld>
-    <p:spTree>
-      <p:nvGrpSpPr>
-        <p:cNvPr id="1" name=""/>
-        <p:cNvGrpSpPr/>
-        <p:nvPr/>
-      </p:nvGrpSpPr>
-      <p:grpSpPr>
-        <a:xfrm>
-          <a:off x="0" y="0"/>
-          <a:ext cx="0" cy="0"/>
-          <a:chOff x="0" y="0"/>
-          <a:chExt cx="0" cy="0"/>
-        </a:xfrm>
-      </p:grpSpPr>
-      <p:sp>
-        <p:nvSpPr>
-          <p:cNvPr id="2" name="Title 1">
-            <a:extLst>
-              <a:ext uri="{FF2B5EF4-FFF2-40B4-BE49-F238E27FC236}">
                 <a16:creationId xmlns:a16="http://schemas.microsoft.com/office/drawing/2014/main" id="{15C66709-4736-4E88-8DE7-CDB74298A6A7}"/>
               </a:ext>
             </a:extLst>
@@ -6510,7 +6781,7 @@
 </p:sld>
 </file>
 
-<file path=ppt/slides/slide18.xml><?xml version="1.0" encoding="utf-8"?>
+<file path=ppt/slides/slide17.xml><?xml version="1.0" encoding="utf-8"?>
 <p:sld xmlns:a="http://schemas.openxmlformats.org/drawingml/2006/main" xmlns:r="http://schemas.openxmlformats.org/officeDocument/2006/relationships" xmlns:p="http://schemas.openxmlformats.org/presentationml/2006/main">
   <p:cSld>
     <p:spTree>
@@ -6597,6 +6868,1352 @@
   <p:clrMapOvr>
     <a:masterClrMapping/>
   </p:clrMapOvr>
+</p:sld>
+</file>
+
+<file path=ppt/slides/slide18.xml><?xml version="1.0" encoding="utf-8"?>
+<p:sld xmlns:a="http://schemas.openxmlformats.org/drawingml/2006/main" xmlns:r="http://schemas.openxmlformats.org/officeDocument/2006/relationships" xmlns:p="http://schemas.openxmlformats.org/presentationml/2006/main">
+  <p:cSld>
+    <p:spTree>
+      <p:nvGrpSpPr>
+        <p:cNvPr id="1" name=""/>
+        <p:cNvGrpSpPr/>
+        <p:nvPr/>
+      </p:nvGrpSpPr>
+      <p:grpSpPr>
+        <a:xfrm>
+          <a:off x="0" y="0"/>
+          <a:ext cx="0" cy="0"/>
+          <a:chOff x="0" y="0"/>
+          <a:chExt cx="0" cy="0"/>
+        </a:xfrm>
+      </p:grpSpPr>
+      <p:sp>
+        <p:nvSpPr>
+          <p:cNvPr id="5" name="Title 4">
+            <a:extLst>
+              <a:ext uri="{FF2B5EF4-FFF2-40B4-BE49-F238E27FC236}">
+                <a16:creationId xmlns:a16="http://schemas.microsoft.com/office/drawing/2014/main" id="{F500C041-2B9D-4177-BB9F-9AD2421CB3ED}"/>
+              </a:ext>
+            </a:extLst>
+          </p:cNvPr>
+          <p:cNvSpPr>
+            <a:spLocks noGrp="1"/>
+          </p:cNvSpPr>
+          <p:nvPr>
+            <p:ph type="title"/>
+          </p:nvPr>
+        </p:nvSpPr>
+        <p:spPr/>
+        <p:txBody>
+          <a:bodyPr/>
+          <a:lstStyle/>
+          <a:p>
+            <a:r>
+              <a:rPr lang="en-US" dirty="0"/>
+              <a:t>Example</a:t>
+            </a:r>
+          </a:p>
+        </p:txBody>
+      </p:sp>
+      <p:sp>
+        <p:nvSpPr>
+          <p:cNvPr id="6" name="Content Placeholder 5">
+            <a:extLst>
+              <a:ext uri="{FF2B5EF4-FFF2-40B4-BE49-F238E27FC236}">
+                <a16:creationId xmlns:a16="http://schemas.microsoft.com/office/drawing/2014/main" id="{744265E4-24CD-4862-9B56-9524A61B46DA}"/>
+              </a:ext>
+            </a:extLst>
+          </p:cNvPr>
+          <p:cNvSpPr>
+            <a:spLocks noGrp="1"/>
+          </p:cNvSpPr>
+          <p:nvPr>
+            <p:ph sz="half" idx="1"/>
+          </p:nvPr>
+        </p:nvSpPr>
+        <p:spPr/>
+        <p:txBody>
+          <a:bodyPr>
+            <a:normAutofit/>
+          </a:bodyPr>
+          <a:lstStyle/>
+          <a:p>
+            <a:r>
+              <a:rPr lang="en-US" b="1" dirty="0"/>
+              <a:t>Network data: </a:t>
+            </a:r>
+            <a:r>
+              <a:rPr lang="en-US" dirty="0"/>
+              <a:t>One data representation for network data is called an “edge list” as shown in the top figure. Like its name suggests, it is simply a list of all edges in the network</a:t>
+            </a:r>
+          </a:p>
+          <a:p>
+            <a:r>
+              <a:rPr lang="en-US" dirty="0"/>
+              <a:t>Like attribute matrices, each row represents an individual in the network. However, unlike attribute matrices, each column also represents an individual</a:t>
+            </a:r>
+          </a:p>
+        </p:txBody>
+      </p:sp>
+      <p:graphicFrame>
+        <p:nvGraphicFramePr>
+          <p:cNvPr id="3" name="Table 3">
+            <a:extLst>
+              <a:ext uri="{FF2B5EF4-FFF2-40B4-BE49-F238E27FC236}">
+                <a16:creationId xmlns:a16="http://schemas.microsoft.com/office/drawing/2014/main" id="{05C27630-9C91-4A66-867A-E6570894F09A}"/>
+              </a:ext>
+            </a:extLst>
+          </p:cNvPr>
+          <p:cNvGraphicFramePr>
+            <a:graphicFrameLocks noGrp="1"/>
+          </p:cNvGraphicFramePr>
+          <p:nvPr>
+            <p:ph sz="half" idx="2"/>
+          </p:nvPr>
+        </p:nvGraphicFramePr>
+        <p:xfrm>
+          <a:off x="6895996" y="4296064"/>
+          <a:ext cx="4638672" cy="1854200"/>
+        </p:xfrm>
+        <a:graphic>
+          <a:graphicData uri="http://schemas.openxmlformats.org/drawingml/2006/table">
+            <a:tbl>
+              <a:tblPr firstRow="1" bandRow="1">
+                <a:tableStyleId>{5C22544A-7EE6-4342-B048-85BDC9FD1C3A}</a:tableStyleId>
+              </a:tblPr>
+              <a:tblGrid>
+                <a:gridCol w="1159668">
+                  <a:extLst>
+                    <a:ext uri="{9D8B030D-6E8A-4147-A177-3AD203B41FA5}">
+                      <a16:colId xmlns:a16="http://schemas.microsoft.com/office/drawing/2014/main" val="3218604314"/>
+                    </a:ext>
+                  </a:extLst>
+                </a:gridCol>
+                <a:gridCol w="1159668">
+                  <a:extLst>
+                    <a:ext uri="{9D8B030D-6E8A-4147-A177-3AD203B41FA5}">
+                      <a16:colId xmlns:a16="http://schemas.microsoft.com/office/drawing/2014/main" val="1385283865"/>
+                    </a:ext>
+                  </a:extLst>
+                </a:gridCol>
+                <a:gridCol w="1159668">
+                  <a:extLst>
+                    <a:ext uri="{9D8B030D-6E8A-4147-A177-3AD203B41FA5}">
+                      <a16:colId xmlns:a16="http://schemas.microsoft.com/office/drawing/2014/main" val="1207985564"/>
+                    </a:ext>
+                  </a:extLst>
+                </a:gridCol>
+                <a:gridCol w="1159668">
+                  <a:extLst>
+                    <a:ext uri="{9D8B030D-6E8A-4147-A177-3AD203B41FA5}">
+                      <a16:colId xmlns:a16="http://schemas.microsoft.com/office/drawing/2014/main" val="263549550"/>
+                    </a:ext>
+                  </a:extLst>
+                </a:gridCol>
+              </a:tblGrid>
+              <a:tr h="370840">
+                <a:tc gridSpan="4">
+                  <a:txBody>
+                    <a:bodyPr/>
+                    <a:lstStyle/>
+                    <a:p>
+                      <a:r>
+                        <a:rPr lang="en-US" dirty="0"/>
+                        <a:t>A network represented as a matrix</a:t>
+                      </a:r>
+                    </a:p>
+                  </a:txBody>
+                  <a:tcPr/>
+                </a:tc>
+                <a:tc hMerge="1">
+                  <a:txBody>
+                    <a:bodyPr/>
+                    <a:lstStyle/>
+                    <a:p>
+                      <a:endParaRPr lang="en-US"/>
+                    </a:p>
+                  </a:txBody>
+                  <a:tcPr/>
+                </a:tc>
+                <a:tc hMerge="1">
+                  <a:txBody>
+                    <a:bodyPr/>
+                    <a:lstStyle/>
+                    <a:p>
+                      <a:endParaRPr lang="en-US" dirty="0"/>
+                    </a:p>
+                  </a:txBody>
+                  <a:tcPr/>
+                </a:tc>
+                <a:tc hMerge="1">
+                  <a:txBody>
+                    <a:bodyPr/>
+                    <a:lstStyle/>
+                    <a:p>
+                      <a:endParaRPr lang="en-US" dirty="0"/>
+                    </a:p>
+                  </a:txBody>
+                  <a:tcPr/>
+                </a:tc>
+                <a:extLst>
+                  <a:ext uri="{0D108BD9-81ED-4DB2-BD59-A6C34878D82A}">
+                    <a16:rowId xmlns:a16="http://schemas.microsoft.com/office/drawing/2014/main" val="1484479535"/>
+                  </a:ext>
+                </a:extLst>
+              </a:tr>
+              <a:tr h="370840">
+                <a:tc>
+                  <a:txBody>
+                    <a:bodyPr/>
+                    <a:lstStyle/>
+                    <a:p>
+                      <a:endParaRPr lang="en-US"/>
+                    </a:p>
+                  </a:txBody>
+                  <a:tcPr/>
+                </a:tc>
+                <a:tc>
+                  <a:txBody>
+                    <a:bodyPr/>
+                    <a:lstStyle/>
+                    <a:p>
+                      <a:r>
+                        <a:rPr lang="en-US" dirty="0"/>
+                        <a:t>Ann</a:t>
+                      </a:r>
+                    </a:p>
+                  </a:txBody>
+                  <a:tcPr/>
+                </a:tc>
+                <a:tc>
+                  <a:txBody>
+                    <a:bodyPr/>
+                    <a:lstStyle/>
+                    <a:p>
+                      <a:r>
+                        <a:rPr lang="en-US" dirty="0"/>
+                        <a:t>Bob</a:t>
+                      </a:r>
+                    </a:p>
+                  </a:txBody>
+                  <a:tcPr/>
+                </a:tc>
+                <a:tc>
+                  <a:txBody>
+                    <a:bodyPr/>
+                    <a:lstStyle/>
+                    <a:p>
+                      <a:r>
+                        <a:rPr lang="en-US" dirty="0"/>
+                        <a:t>Carol</a:t>
+                      </a:r>
+                    </a:p>
+                  </a:txBody>
+                  <a:tcPr/>
+                </a:tc>
+                <a:extLst>
+                  <a:ext uri="{0D108BD9-81ED-4DB2-BD59-A6C34878D82A}">
+                    <a16:rowId xmlns:a16="http://schemas.microsoft.com/office/drawing/2014/main" val="3995885791"/>
+                  </a:ext>
+                </a:extLst>
+              </a:tr>
+              <a:tr h="370840">
+                <a:tc>
+                  <a:txBody>
+                    <a:bodyPr/>
+                    <a:lstStyle/>
+                    <a:p>
+                      <a:r>
+                        <a:rPr lang="en-US" dirty="0"/>
+                        <a:t>Ann</a:t>
+                      </a:r>
+                    </a:p>
+                  </a:txBody>
+                  <a:tcPr/>
+                </a:tc>
+                <a:tc>
+                  <a:txBody>
+                    <a:bodyPr/>
+                    <a:lstStyle/>
+                    <a:p>
+                      <a:r>
+                        <a:rPr lang="en-US" dirty="0"/>
+                        <a:t>0</a:t>
+                      </a:r>
+                    </a:p>
+                  </a:txBody>
+                  <a:tcPr/>
+                </a:tc>
+                <a:tc>
+                  <a:txBody>
+                    <a:bodyPr/>
+                    <a:lstStyle/>
+                    <a:p>
+                      <a:r>
+                        <a:rPr lang="en-US" dirty="0"/>
+                        <a:t>1</a:t>
+                      </a:r>
+                    </a:p>
+                  </a:txBody>
+                  <a:tcPr/>
+                </a:tc>
+                <a:tc>
+                  <a:txBody>
+                    <a:bodyPr/>
+                    <a:lstStyle/>
+                    <a:p>
+                      <a:r>
+                        <a:rPr lang="en-US" dirty="0"/>
+                        <a:t>1</a:t>
+                      </a:r>
+                    </a:p>
+                  </a:txBody>
+                  <a:tcPr/>
+                </a:tc>
+                <a:extLst>
+                  <a:ext uri="{0D108BD9-81ED-4DB2-BD59-A6C34878D82A}">
+                    <a16:rowId xmlns:a16="http://schemas.microsoft.com/office/drawing/2014/main" val="3838914005"/>
+                  </a:ext>
+                </a:extLst>
+              </a:tr>
+              <a:tr h="370840">
+                <a:tc>
+                  <a:txBody>
+                    <a:bodyPr/>
+                    <a:lstStyle/>
+                    <a:p>
+                      <a:r>
+                        <a:rPr lang="en-US" dirty="0"/>
+                        <a:t>Bob</a:t>
+                      </a:r>
+                    </a:p>
+                  </a:txBody>
+                  <a:tcPr/>
+                </a:tc>
+                <a:tc>
+                  <a:txBody>
+                    <a:bodyPr/>
+                    <a:lstStyle/>
+                    <a:p>
+                      <a:r>
+                        <a:rPr lang="en-US" dirty="0"/>
+                        <a:t>0</a:t>
+                      </a:r>
+                    </a:p>
+                  </a:txBody>
+                  <a:tcPr/>
+                </a:tc>
+                <a:tc>
+                  <a:txBody>
+                    <a:bodyPr/>
+                    <a:lstStyle/>
+                    <a:p>
+                      <a:r>
+                        <a:rPr lang="en-US" dirty="0"/>
+                        <a:t>0</a:t>
+                      </a:r>
+                    </a:p>
+                  </a:txBody>
+                  <a:tcPr/>
+                </a:tc>
+                <a:tc>
+                  <a:txBody>
+                    <a:bodyPr/>
+                    <a:lstStyle/>
+                    <a:p>
+                      <a:r>
+                        <a:rPr lang="en-US" dirty="0"/>
+                        <a:t>0</a:t>
+                      </a:r>
+                    </a:p>
+                  </a:txBody>
+                  <a:tcPr/>
+                </a:tc>
+                <a:extLst>
+                  <a:ext uri="{0D108BD9-81ED-4DB2-BD59-A6C34878D82A}">
+                    <a16:rowId xmlns:a16="http://schemas.microsoft.com/office/drawing/2014/main" val="3304205924"/>
+                  </a:ext>
+                </a:extLst>
+              </a:tr>
+              <a:tr h="370840">
+                <a:tc>
+                  <a:txBody>
+                    <a:bodyPr/>
+                    <a:lstStyle/>
+                    <a:p>
+                      <a:r>
+                        <a:rPr lang="en-US" dirty="0"/>
+                        <a:t>Carol</a:t>
+                      </a:r>
+                    </a:p>
+                  </a:txBody>
+                  <a:tcPr/>
+                </a:tc>
+                <a:tc>
+                  <a:txBody>
+                    <a:bodyPr/>
+                    <a:lstStyle/>
+                    <a:p>
+                      <a:r>
+                        <a:rPr lang="en-US" dirty="0"/>
+                        <a:t>1</a:t>
+                      </a:r>
+                    </a:p>
+                  </a:txBody>
+                  <a:tcPr/>
+                </a:tc>
+                <a:tc>
+                  <a:txBody>
+                    <a:bodyPr/>
+                    <a:lstStyle/>
+                    <a:p>
+                      <a:r>
+                        <a:rPr lang="en-US" dirty="0"/>
+                        <a:t>0</a:t>
+                      </a:r>
+                    </a:p>
+                  </a:txBody>
+                  <a:tcPr/>
+                </a:tc>
+                <a:tc>
+                  <a:txBody>
+                    <a:bodyPr/>
+                    <a:lstStyle/>
+                    <a:p>
+                      <a:r>
+                        <a:rPr lang="en-US" dirty="0"/>
+                        <a:t>0</a:t>
+                      </a:r>
+                    </a:p>
+                  </a:txBody>
+                  <a:tcPr/>
+                </a:tc>
+                <a:extLst>
+                  <a:ext uri="{0D108BD9-81ED-4DB2-BD59-A6C34878D82A}">
+                    <a16:rowId xmlns:a16="http://schemas.microsoft.com/office/drawing/2014/main" val="2966653069"/>
+                  </a:ext>
+                </a:extLst>
+              </a:tr>
+            </a:tbl>
+          </a:graphicData>
+        </a:graphic>
+      </p:graphicFrame>
+      <p:sp>
+        <p:nvSpPr>
+          <p:cNvPr id="7" name="TextBox 6">
+            <a:extLst>
+              <a:ext uri="{FF2B5EF4-FFF2-40B4-BE49-F238E27FC236}">
+                <a16:creationId xmlns:a16="http://schemas.microsoft.com/office/drawing/2014/main" id="{BB250059-0F68-475F-B569-52878940D883}"/>
+              </a:ext>
+            </a:extLst>
+          </p:cNvPr>
+          <p:cNvSpPr txBox="1"/>
+          <p:nvPr/>
+        </p:nvSpPr>
+        <p:spPr>
+          <a:xfrm>
+            <a:off x="891329" y="5780932"/>
+            <a:ext cx="5235151" cy="369332"/>
+          </a:xfrm>
+          <a:prstGeom prst="rect">
+            <a:avLst/>
+          </a:prstGeom>
+          <a:noFill/>
+        </p:spPr>
+        <p:txBody>
+          <a:bodyPr wrap="none" rtlCol="0">
+            <a:spAutoFit/>
+          </a:bodyPr>
+          <a:lstStyle/>
+          <a:p>
+            <a:r>
+              <a:rPr lang="en-US" dirty="0"/>
+              <a:t>Is this a directed network or an undirected network?</a:t>
+            </a:r>
+          </a:p>
+        </p:txBody>
+      </p:sp>
+      <p:graphicFrame>
+        <p:nvGraphicFramePr>
+          <p:cNvPr id="8" name="Table 3">
+            <a:extLst>
+              <a:ext uri="{FF2B5EF4-FFF2-40B4-BE49-F238E27FC236}">
+                <a16:creationId xmlns:a16="http://schemas.microsoft.com/office/drawing/2014/main" id="{816F48A7-C54E-4DA6-B8A9-7736BFC23AF4}"/>
+              </a:ext>
+            </a:extLst>
+          </p:cNvPr>
+          <p:cNvGraphicFramePr>
+            <a:graphicFrameLocks/>
+          </p:cNvGraphicFramePr>
+          <p:nvPr/>
+        </p:nvGraphicFramePr>
+        <p:xfrm>
+          <a:off x="7193404" y="1954992"/>
+          <a:ext cx="2916726" cy="2123440"/>
+        </p:xfrm>
+        <a:graphic>
+          <a:graphicData uri="http://schemas.openxmlformats.org/drawingml/2006/table">
+            <a:tbl>
+              <a:tblPr firstRow="1" bandRow="1">
+                <a:tableStyleId>{5C22544A-7EE6-4342-B048-85BDC9FD1C3A}</a:tableStyleId>
+              </a:tblPr>
+              <a:tblGrid>
+                <a:gridCol w="1458363">
+                  <a:extLst>
+                    <a:ext uri="{9D8B030D-6E8A-4147-A177-3AD203B41FA5}">
+                      <a16:colId xmlns:a16="http://schemas.microsoft.com/office/drawing/2014/main" val="3218604314"/>
+                    </a:ext>
+                  </a:extLst>
+                </a:gridCol>
+                <a:gridCol w="1458363">
+                  <a:extLst>
+                    <a:ext uri="{9D8B030D-6E8A-4147-A177-3AD203B41FA5}">
+                      <a16:colId xmlns:a16="http://schemas.microsoft.com/office/drawing/2014/main" val="1385283865"/>
+                    </a:ext>
+                  </a:extLst>
+                </a:gridCol>
+              </a:tblGrid>
+              <a:tr h="370840">
+                <a:tc gridSpan="2">
+                  <a:txBody>
+                    <a:bodyPr/>
+                    <a:lstStyle/>
+                    <a:p>
+                      <a:r>
+                        <a:rPr lang="en-US" dirty="0"/>
+                        <a:t>A network represented as an edge list</a:t>
+                      </a:r>
+                    </a:p>
+                  </a:txBody>
+                  <a:tcPr/>
+                </a:tc>
+                <a:tc hMerge="1">
+                  <a:txBody>
+                    <a:bodyPr/>
+                    <a:lstStyle/>
+                    <a:p>
+                      <a:endParaRPr lang="en-US"/>
+                    </a:p>
+                  </a:txBody>
+                  <a:tcPr/>
+                </a:tc>
+                <a:extLst>
+                  <a:ext uri="{0D108BD9-81ED-4DB2-BD59-A6C34878D82A}">
+                    <a16:rowId xmlns:a16="http://schemas.microsoft.com/office/drawing/2014/main" val="1484479535"/>
+                  </a:ext>
+                </a:extLst>
+              </a:tr>
+              <a:tr h="370840">
+                <a:tc>
+                  <a:txBody>
+                    <a:bodyPr/>
+                    <a:lstStyle/>
+                    <a:p>
+                      <a:r>
+                        <a:rPr lang="en-US" dirty="0"/>
+                        <a:t>Vertex 1</a:t>
+                      </a:r>
+                    </a:p>
+                  </a:txBody>
+                  <a:tcPr/>
+                </a:tc>
+                <a:tc>
+                  <a:txBody>
+                    <a:bodyPr/>
+                    <a:lstStyle/>
+                    <a:p>
+                      <a:r>
+                        <a:rPr lang="en-US" dirty="0"/>
+                        <a:t>Vertex 2</a:t>
+                      </a:r>
+                    </a:p>
+                  </a:txBody>
+                  <a:tcPr/>
+                </a:tc>
+                <a:extLst>
+                  <a:ext uri="{0D108BD9-81ED-4DB2-BD59-A6C34878D82A}">
+                    <a16:rowId xmlns:a16="http://schemas.microsoft.com/office/drawing/2014/main" val="3995885791"/>
+                  </a:ext>
+                </a:extLst>
+              </a:tr>
+              <a:tr h="370840">
+                <a:tc>
+                  <a:txBody>
+                    <a:bodyPr/>
+                    <a:lstStyle/>
+                    <a:p>
+                      <a:r>
+                        <a:rPr lang="en-US" dirty="0"/>
+                        <a:t>Ann</a:t>
+                      </a:r>
+                    </a:p>
+                  </a:txBody>
+                  <a:tcPr/>
+                </a:tc>
+                <a:tc>
+                  <a:txBody>
+                    <a:bodyPr/>
+                    <a:lstStyle/>
+                    <a:p>
+                      <a:r>
+                        <a:rPr lang="en-US" dirty="0"/>
+                        <a:t>Bob</a:t>
+                      </a:r>
+                    </a:p>
+                  </a:txBody>
+                  <a:tcPr/>
+                </a:tc>
+                <a:extLst>
+                  <a:ext uri="{0D108BD9-81ED-4DB2-BD59-A6C34878D82A}">
+                    <a16:rowId xmlns:a16="http://schemas.microsoft.com/office/drawing/2014/main" val="3838914005"/>
+                  </a:ext>
+                </a:extLst>
+              </a:tr>
+              <a:tr h="370840">
+                <a:tc>
+                  <a:txBody>
+                    <a:bodyPr/>
+                    <a:lstStyle/>
+                    <a:p>
+                      <a:r>
+                        <a:rPr lang="en-US" dirty="0"/>
+                        <a:t>Ann</a:t>
+                      </a:r>
+                    </a:p>
+                  </a:txBody>
+                  <a:tcPr/>
+                </a:tc>
+                <a:tc>
+                  <a:txBody>
+                    <a:bodyPr/>
+                    <a:lstStyle/>
+                    <a:p>
+                      <a:r>
+                        <a:rPr lang="en-US" dirty="0"/>
+                        <a:t>Carol</a:t>
+                      </a:r>
+                    </a:p>
+                  </a:txBody>
+                  <a:tcPr/>
+                </a:tc>
+                <a:extLst>
+                  <a:ext uri="{0D108BD9-81ED-4DB2-BD59-A6C34878D82A}">
+                    <a16:rowId xmlns:a16="http://schemas.microsoft.com/office/drawing/2014/main" val="3304205924"/>
+                  </a:ext>
+                </a:extLst>
+              </a:tr>
+              <a:tr h="370840">
+                <a:tc>
+                  <a:txBody>
+                    <a:bodyPr/>
+                    <a:lstStyle/>
+                    <a:p>
+                      <a:r>
+                        <a:rPr lang="en-US" dirty="0"/>
+                        <a:t>Carol</a:t>
+                      </a:r>
+                    </a:p>
+                  </a:txBody>
+                  <a:tcPr/>
+                </a:tc>
+                <a:tc>
+                  <a:txBody>
+                    <a:bodyPr/>
+                    <a:lstStyle/>
+                    <a:p>
+                      <a:r>
+                        <a:rPr lang="en-US" dirty="0"/>
+                        <a:t>Ann</a:t>
+                      </a:r>
+                    </a:p>
+                  </a:txBody>
+                  <a:tcPr/>
+                </a:tc>
+                <a:extLst>
+                  <a:ext uri="{0D108BD9-81ED-4DB2-BD59-A6C34878D82A}">
+                    <a16:rowId xmlns:a16="http://schemas.microsoft.com/office/drawing/2014/main" val="2966653069"/>
+                  </a:ext>
+                </a:extLst>
+              </a:tr>
+            </a:tbl>
+          </a:graphicData>
+        </a:graphic>
+      </p:graphicFrame>
+      <p:graphicFrame>
+        <p:nvGraphicFramePr>
+          <p:cNvPr id="9" name="Table 3">
+            <a:extLst>
+              <a:ext uri="{FF2B5EF4-FFF2-40B4-BE49-F238E27FC236}">
+                <a16:creationId xmlns:a16="http://schemas.microsoft.com/office/drawing/2014/main" id="{144FA6E7-CEEB-47D2-A16B-83412882FC2C}"/>
+              </a:ext>
+            </a:extLst>
+          </p:cNvPr>
+          <p:cNvGraphicFramePr>
+            <a:graphicFrameLocks/>
+          </p:cNvGraphicFramePr>
+          <p:nvPr/>
+        </p:nvGraphicFramePr>
+        <p:xfrm>
+          <a:off x="7193404" y="1954991"/>
+          <a:ext cx="4043856" cy="2123440"/>
+        </p:xfrm>
+        <a:graphic>
+          <a:graphicData uri="http://schemas.openxmlformats.org/drawingml/2006/table">
+            <a:tbl>
+              <a:tblPr firstRow="1" bandRow="1">
+                <a:tableStyleId>{5C22544A-7EE6-4342-B048-85BDC9FD1C3A}</a:tableStyleId>
+              </a:tblPr>
+              <a:tblGrid>
+                <a:gridCol w="1347952">
+                  <a:extLst>
+                    <a:ext uri="{9D8B030D-6E8A-4147-A177-3AD203B41FA5}">
+                      <a16:colId xmlns:a16="http://schemas.microsoft.com/office/drawing/2014/main" val="3218604314"/>
+                    </a:ext>
+                  </a:extLst>
+                </a:gridCol>
+                <a:gridCol w="1347952">
+                  <a:extLst>
+                    <a:ext uri="{9D8B030D-6E8A-4147-A177-3AD203B41FA5}">
+                      <a16:colId xmlns:a16="http://schemas.microsoft.com/office/drawing/2014/main" val="1385283865"/>
+                    </a:ext>
+                  </a:extLst>
+                </a:gridCol>
+                <a:gridCol w="1347952">
+                  <a:extLst>
+                    <a:ext uri="{9D8B030D-6E8A-4147-A177-3AD203B41FA5}">
+                      <a16:colId xmlns:a16="http://schemas.microsoft.com/office/drawing/2014/main" val="874746727"/>
+                    </a:ext>
+                  </a:extLst>
+                </a:gridCol>
+              </a:tblGrid>
+              <a:tr h="424688">
+                <a:tc gridSpan="3">
+                  <a:txBody>
+                    <a:bodyPr/>
+                    <a:lstStyle/>
+                    <a:p>
+                      <a:r>
+                        <a:rPr lang="en-US" dirty="0"/>
+                        <a:t>A network represented as an edge list</a:t>
+                      </a:r>
+                    </a:p>
+                  </a:txBody>
+                  <a:tcPr/>
+                </a:tc>
+                <a:tc hMerge="1">
+                  <a:txBody>
+                    <a:bodyPr/>
+                    <a:lstStyle/>
+                    <a:p>
+                      <a:endParaRPr lang="en-US"/>
+                    </a:p>
+                  </a:txBody>
+                  <a:tcPr/>
+                </a:tc>
+                <a:tc hMerge="1">
+                  <a:txBody>
+                    <a:bodyPr/>
+                    <a:lstStyle/>
+                    <a:p>
+                      <a:endParaRPr lang="en-US" dirty="0"/>
+                    </a:p>
+                  </a:txBody>
+                  <a:tcPr/>
+                </a:tc>
+                <a:extLst>
+                  <a:ext uri="{0D108BD9-81ED-4DB2-BD59-A6C34878D82A}">
+                    <a16:rowId xmlns:a16="http://schemas.microsoft.com/office/drawing/2014/main" val="1484479535"/>
+                  </a:ext>
+                </a:extLst>
+              </a:tr>
+              <a:tr h="424688">
+                <a:tc>
+                  <a:txBody>
+                    <a:bodyPr/>
+                    <a:lstStyle/>
+                    <a:p>
+                      <a:r>
+                        <a:rPr lang="en-US" dirty="0"/>
+                        <a:t>Vertex 1</a:t>
+                      </a:r>
+                    </a:p>
+                  </a:txBody>
+                  <a:tcPr/>
+                </a:tc>
+                <a:tc>
+                  <a:txBody>
+                    <a:bodyPr/>
+                    <a:lstStyle/>
+                    <a:p>
+                      <a:r>
+                        <a:rPr lang="en-US" dirty="0"/>
+                        <a:t>Vertex 2</a:t>
+                      </a:r>
+                    </a:p>
+                  </a:txBody>
+                  <a:tcPr/>
+                </a:tc>
+                <a:tc>
+                  <a:txBody>
+                    <a:bodyPr/>
+                    <a:lstStyle/>
+                    <a:p>
+                      <a:r>
+                        <a:rPr lang="en-US" dirty="0"/>
+                        <a:t>Strength</a:t>
+                      </a:r>
+                    </a:p>
+                  </a:txBody>
+                  <a:tcPr/>
+                </a:tc>
+                <a:extLst>
+                  <a:ext uri="{0D108BD9-81ED-4DB2-BD59-A6C34878D82A}">
+                    <a16:rowId xmlns:a16="http://schemas.microsoft.com/office/drawing/2014/main" val="3995885791"/>
+                  </a:ext>
+                </a:extLst>
+              </a:tr>
+              <a:tr h="424688">
+                <a:tc>
+                  <a:txBody>
+                    <a:bodyPr/>
+                    <a:lstStyle/>
+                    <a:p>
+                      <a:r>
+                        <a:rPr lang="en-US" dirty="0"/>
+                        <a:t>Ann</a:t>
+                      </a:r>
+                    </a:p>
+                  </a:txBody>
+                  <a:tcPr/>
+                </a:tc>
+                <a:tc>
+                  <a:txBody>
+                    <a:bodyPr/>
+                    <a:lstStyle/>
+                    <a:p>
+                      <a:r>
+                        <a:rPr lang="en-US" dirty="0"/>
+                        <a:t>Bob</a:t>
+                      </a:r>
+                    </a:p>
+                  </a:txBody>
+                  <a:tcPr/>
+                </a:tc>
+                <a:tc>
+                  <a:txBody>
+                    <a:bodyPr/>
+                    <a:lstStyle/>
+                    <a:p>
+                      <a:r>
+                        <a:rPr lang="en-US" dirty="0"/>
+                        <a:t>10</a:t>
+                      </a:r>
+                    </a:p>
+                  </a:txBody>
+                  <a:tcPr/>
+                </a:tc>
+                <a:extLst>
+                  <a:ext uri="{0D108BD9-81ED-4DB2-BD59-A6C34878D82A}">
+                    <a16:rowId xmlns:a16="http://schemas.microsoft.com/office/drawing/2014/main" val="3838914005"/>
+                  </a:ext>
+                </a:extLst>
+              </a:tr>
+              <a:tr h="424688">
+                <a:tc>
+                  <a:txBody>
+                    <a:bodyPr/>
+                    <a:lstStyle/>
+                    <a:p>
+                      <a:r>
+                        <a:rPr lang="en-US" dirty="0"/>
+                        <a:t>Ann</a:t>
+                      </a:r>
+                    </a:p>
+                  </a:txBody>
+                  <a:tcPr/>
+                </a:tc>
+                <a:tc>
+                  <a:txBody>
+                    <a:bodyPr/>
+                    <a:lstStyle/>
+                    <a:p>
+                      <a:r>
+                        <a:rPr lang="en-US" dirty="0"/>
+                        <a:t>Carol</a:t>
+                      </a:r>
+                    </a:p>
+                  </a:txBody>
+                  <a:tcPr/>
+                </a:tc>
+                <a:tc>
+                  <a:txBody>
+                    <a:bodyPr/>
+                    <a:lstStyle/>
+                    <a:p>
+                      <a:r>
+                        <a:rPr lang="en-US" dirty="0"/>
+                        <a:t>1</a:t>
+                      </a:r>
+                    </a:p>
+                  </a:txBody>
+                  <a:tcPr/>
+                </a:tc>
+                <a:extLst>
+                  <a:ext uri="{0D108BD9-81ED-4DB2-BD59-A6C34878D82A}">
+                    <a16:rowId xmlns:a16="http://schemas.microsoft.com/office/drawing/2014/main" val="3304205924"/>
+                  </a:ext>
+                </a:extLst>
+              </a:tr>
+              <a:tr h="424688">
+                <a:tc>
+                  <a:txBody>
+                    <a:bodyPr/>
+                    <a:lstStyle/>
+                    <a:p>
+                      <a:r>
+                        <a:rPr lang="en-US" dirty="0"/>
+                        <a:t>Carol</a:t>
+                      </a:r>
+                    </a:p>
+                  </a:txBody>
+                  <a:tcPr/>
+                </a:tc>
+                <a:tc>
+                  <a:txBody>
+                    <a:bodyPr/>
+                    <a:lstStyle/>
+                    <a:p>
+                      <a:r>
+                        <a:rPr lang="en-US" dirty="0"/>
+                        <a:t>Ann</a:t>
+                      </a:r>
+                    </a:p>
+                  </a:txBody>
+                  <a:tcPr/>
+                </a:tc>
+                <a:tc>
+                  <a:txBody>
+                    <a:bodyPr/>
+                    <a:lstStyle/>
+                    <a:p>
+                      <a:r>
+                        <a:rPr lang="en-US" dirty="0"/>
+                        <a:t>5</a:t>
+                      </a:r>
+                    </a:p>
+                  </a:txBody>
+                  <a:tcPr/>
+                </a:tc>
+                <a:extLst>
+                  <a:ext uri="{0D108BD9-81ED-4DB2-BD59-A6C34878D82A}">
+                    <a16:rowId xmlns:a16="http://schemas.microsoft.com/office/drawing/2014/main" val="2966653069"/>
+                  </a:ext>
+                </a:extLst>
+              </a:tr>
+            </a:tbl>
+          </a:graphicData>
+        </a:graphic>
+      </p:graphicFrame>
+      <p:cxnSp>
+        <p:nvCxnSpPr>
+          <p:cNvPr id="4" name="Straight Arrow Connector 3">
+            <a:extLst>
+              <a:ext uri="{FF2B5EF4-FFF2-40B4-BE49-F238E27FC236}">
+                <a16:creationId xmlns:a16="http://schemas.microsoft.com/office/drawing/2014/main" id="{81225BF5-FF65-41F1-A955-2986AA5B8AFB}"/>
+              </a:ext>
+            </a:extLst>
+          </p:cNvPr>
+          <p:cNvCxnSpPr/>
+          <p:nvPr/>
+        </p:nvCxnSpPr>
+        <p:spPr>
+          <a:xfrm>
+            <a:off x="7664824" y="3012141"/>
+            <a:ext cx="1680882" cy="2191871"/>
+          </a:xfrm>
+          <a:prstGeom prst="straightConnector1">
+            <a:avLst/>
+          </a:prstGeom>
+          <a:ln>
+            <a:tailEnd type="triangle"/>
+          </a:ln>
+        </p:spPr>
+        <p:style>
+          <a:lnRef idx="1">
+            <a:schemeClr val="accent1"/>
+          </a:lnRef>
+          <a:fillRef idx="0">
+            <a:schemeClr val="accent1"/>
+          </a:fillRef>
+          <a:effectRef idx="0">
+            <a:schemeClr val="accent1"/>
+          </a:effectRef>
+          <a:fontRef idx="minor">
+            <a:schemeClr val="tx1"/>
+          </a:fontRef>
+        </p:style>
+      </p:cxnSp>
+      <p:cxnSp>
+        <p:nvCxnSpPr>
+          <p:cNvPr id="10" name="Straight Arrow Connector 9">
+            <a:extLst>
+              <a:ext uri="{FF2B5EF4-FFF2-40B4-BE49-F238E27FC236}">
+                <a16:creationId xmlns:a16="http://schemas.microsoft.com/office/drawing/2014/main" id="{F52BD8D3-EEE1-442C-B253-70A4C08BF32F}"/>
+              </a:ext>
+            </a:extLst>
+          </p:cNvPr>
+          <p:cNvCxnSpPr>
+            <a:cxnSpLocks/>
+          </p:cNvCxnSpPr>
+          <p:nvPr/>
+        </p:nvCxnSpPr>
+        <p:spPr>
+          <a:xfrm>
+            <a:off x="8767482" y="3012141"/>
+            <a:ext cx="578224" cy="2191871"/>
+          </a:xfrm>
+          <a:prstGeom prst="straightConnector1">
+            <a:avLst/>
+          </a:prstGeom>
+          <a:ln>
+            <a:tailEnd type="triangle"/>
+          </a:ln>
+        </p:spPr>
+        <p:style>
+          <a:lnRef idx="1">
+            <a:schemeClr val="accent1"/>
+          </a:lnRef>
+          <a:fillRef idx="0">
+            <a:schemeClr val="accent1"/>
+          </a:fillRef>
+          <a:effectRef idx="0">
+            <a:schemeClr val="accent1"/>
+          </a:effectRef>
+          <a:fontRef idx="minor">
+            <a:schemeClr val="tx1"/>
+          </a:fontRef>
+        </p:style>
+      </p:cxnSp>
+    </p:spTree>
+    <p:extLst>
+      <p:ext uri="{BB962C8B-B14F-4D97-AF65-F5344CB8AC3E}">
+        <p14:creationId xmlns:p14="http://schemas.microsoft.com/office/powerpoint/2010/main" val="16020822"/>
+      </p:ext>
+    </p:extLst>
+  </p:cSld>
+  <p:clrMapOvr>
+    <a:masterClrMapping/>
+  </p:clrMapOvr>
+  <p:timing>
+    <p:tnLst>
+      <p:par>
+        <p:cTn id="1" dur="indefinite" restart="never" nodeType="tmRoot">
+          <p:childTnLst>
+            <p:seq concurrent="1" nextAc="seek">
+              <p:cTn id="2" dur="indefinite" nodeType="mainSeq">
+                <p:childTnLst>
+                  <p:par>
+                    <p:cTn id="3" fill="hold">
+                      <p:stCondLst>
+                        <p:cond delay="indefinite"/>
+                      </p:stCondLst>
+                      <p:childTnLst>
+                        <p:par>
+                          <p:cTn id="4" fill="hold">
+                            <p:stCondLst>
+                              <p:cond delay="0"/>
+                            </p:stCondLst>
+                            <p:childTnLst>
+                              <p:par>
+                                <p:cTn id="5" presetID="42" presetClass="entr" presetSubtype="0" fill="hold" nodeType="clickEffect">
+                                  <p:stCondLst>
+                                    <p:cond delay="0"/>
+                                  </p:stCondLst>
+                                  <p:childTnLst>
+                                    <p:set>
+                                      <p:cBhvr>
+                                        <p:cTn id="6" dur="1" fill="hold">
+                                          <p:stCondLst>
+                                            <p:cond delay="0"/>
+                                          </p:stCondLst>
+                                        </p:cTn>
+                                        <p:tgtEl>
+                                          <p:spTgt spid="9"/>
+                                        </p:tgtEl>
+                                        <p:attrNameLst>
+                                          <p:attrName>style.visibility</p:attrName>
+                                        </p:attrNameLst>
+                                      </p:cBhvr>
+                                      <p:to>
+                                        <p:strVal val="visible"/>
+                                      </p:to>
+                                    </p:set>
+                                    <p:animEffect transition="in" filter="fade">
+                                      <p:cBhvr>
+                                        <p:cTn id="7" dur="1000"/>
+                                        <p:tgtEl>
+                                          <p:spTgt spid="9"/>
+                                        </p:tgtEl>
+                                      </p:cBhvr>
+                                    </p:animEffect>
+                                    <p:anim calcmode="lin" valueType="num">
+                                      <p:cBhvr>
+                                        <p:cTn id="8" dur="1000" fill="hold"/>
+                                        <p:tgtEl>
+                                          <p:spTgt spid="9"/>
+                                        </p:tgtEl>
+                                        <p:attrNameLst>
+                                          <p:attrName>ppt_x</p:attrName>
+                                        </p:attrNameLst>
+                                      </p:cBhvr>
+                                      <p:tavLst>
+                                        <p:tav tm="0">
+                                          <p:val>
+                                            <p:strVal val="#ppt_x"/>
+                                          </p:val>
+                                        </p:tav>
+                                        <p:tav tm="100000">
+                                          <p:val>
+                                            <p:strVal val="#ppt_x"/>
+                                          </p:val>
+                                        </p:tav>
+                                      </p:tavLst>
+                                    </p:anim>
+                                    <p:anim calcmode="lin" valueType="num">
+                                      <p:cBhvr>
+                                        <p:cTn id="9" dur="1000" fill="hold"/>
+                                        <p:tgtEl>
+                                          <p:spTgt spid="9"/>
+                                        </p:tgtEl>
+                                        <p:attrNameLst>
+                                          <p:attrName>ppt_y</p:attrName>
+                                        </p:attrNameLst>
+                                      </p:cBhvr>
+                                      <p:tavLst>
+                                        <p:tav tm="0">
+                                          <p:val>
+                                            <p:strVal val="#ppt_y+.1"/>
+                                          </p:val>
+                                        </p:tav>
+                                        <p:tav tm="100000">
+                                          <p:val>
+                                            <p:strVal val="#ppt_y"/>
+                                          </p:val>
+                                        </p:tav>
+                                      </p:tavLst>
+                                    </p:anim>
+                                  </p:childTnLst>
+                                </p:cTn>
+                              </p:par>
+                            </p:childTnLst>
+                          </p:cTn>
+                        </p:par>
+                      </p:childTnLst>
+                    </p:cTn>
+                  </p:par>
+                  <p:par>
+                    <p:cTn id="10" fill="hold">
+                      <p:stCondLst>
+                        <p:cond delay="indefinite"/>
+                      </p:stCondLst>
+                      <p:childTnLst>
+                        <p:par>
+                          <p:cTn id="11" fill="hold">
+                            <p:stCondLst>
+                              <p:cond delay="0"/>
+                            </p:stCondLst>
+                            <p:childTnLst>
+                              <p:par>
+                                <p:cTn id="12" presetID="42" presetClass="entr" presetSubtype="0" fill="hold" nodeType="clickEffect">
+                                  <p:stCondLst>
+                                    <p:cond delay="0"/>
+                                  </p:stCondLst>
+                                  <p:childTnLst>
+                                    <p:set>
+                                      <p:cBhvr>
+                                        <p:cTn id="13" dur="1" fill="hold">
+                                          <p:stCondLst>
+                                            <p:cond delay="0"/>
+                                          </p:stCondLst>
+                                        </p:cTn>
+                                        <p:tgtEl>
+                                          <p:spTgt spid="4"/>
+                                        </p:tgtEl>
+                                        <p:attrNameLst>
+                                          <p:attrName>style.visibility</p:attrName>
+                                        </p:attrNameLst>
+                                      </p:cBhvr>
+                                      <p:to>
+                                        <p:strVal val="visible"/>
+                                      </p:to>
+                                    </p:set>
+                                    <p:animEffect transition="in" filter="fade">
+                                      <p:cBhvr>
+                                        <p:cTn id="14" dur="1000"/>
+                                        <p:tgtEl>
+                                          <p:spTgt spid="4"/>
+                                        </p:tgtEl>
+                                      </p:cBhvr>
+                                    </p:animEffect>
+                                    <p:anim calcmode="lin" valueType="num">
+                                      <p:cBhvr>
+                                        <p:cTn id="15" dur="1000" fill="hold"/>
+                                        <p:tgtEl>
+                                          <p:spTgt spid="4"/>
+                                        </p:tgtEl>
+                                        <p:attrNameLst>
+                                          <p:attrName>ppt_x</p:attrName>
+                                        </p:attrNameLst>
+                                      </p:cBhvr>
+                                      <p:tavLst>
+                                        <p:tav tm="0">
+                                          <p:val>
+                                            <p:strVal val="#ppt_x"/>
+                                          </p:val>
+                                        </p:tav>
+                                        <p:tav tm="100000">
+                                          <p:val>
+                                            <p:strVal val="#ppt_x"/>
+                                          </p:val>
+                                        </p:tav>
+                                      </p:tavLst>
+                                    </p:anim>
+                                    <p:anim calcmode="lin" valueType="num">
+                                      <p:cBhvr>
+                                        <p:cTn id="16" dur="1000" fill="hold"/>
+                                        <p:tgtEl>
+                                          <p:spTgt spid="4"/>
+                                        </p:tgtEl>
+                                        <p:attrNameLst>
+                                          <p:attrName>ppt_y</p:attrName>
+                                        </p:attrNameLst>
+                                      </p:cBhvr>
+                                      <p:tavLst>
+                                        <p:tav tm="0">
+                                          <p:val>
+                                            <p:strVal val="#ppt_y+.1"/>
+                                          </p:val>
+                                        </p:tav>
+                                        <p:tav tm="100000">
+                                          <p:val>
+                                            <p:strVal val="#ppt_y"/>
+                                          </p:val>
+                                        </p:tav>
+                                      </p:tavLst>
+                                    </p:anim>
+                                  </p:childTnLst>
+                                </p:cTn>
+                              </p:par>
+                              <p:par>
+                                <p:cTn id="17" presetID="42" presetClass="entr" presetSubtype="0" fill="hold" nodeType="withEffect">
+                                  <p:stCondLst>
+                                    <p:cond delay="0"/>
+                                  </p:stCondLst>
+                                  <p:childTnLst>
+                                    <p:set>
+                                      <p:cBhvr>
+                                        <p:cTn id="18" dur="1" fill="hold">
+                                          <p:stCondLst>
+                                            <p:cond delay="0"/>
+                                          </p:stCondLst>
+                                        </p:cTn>
+                                        <p:tgtEl>
+                                          <p:spTgt spid="10"/>
+                                        </p:tgtEl>
+                                        <p:attrNameLst>
+                                          <p:attrName>style.visibility</p:attrName>
+                                        </p:attrNameLst>
+                                      </p:cBhvr>
+                                      <p:to>
+                                        <p:strVal val="visible"/>
+                                      </p:to>
+                                    </p:set>
+                                    <p:animEffect transition="in" filter="fade">
+                                      <p:cBhvr>
+                                        <p:cTn id="19" dur="1000"/>
+                                        <p:tgtEl>
+                                          <p:spTgt spid="10"/>
+                                        </p:tgtEl>
+                                      </p:cBhvr>
+                                    </p:animEffect>
+                                    <p:anim calcmode="lin" valueType="num">
+                                      <p:cBhvr>
+                                        <p:cTn id="20" dur="1000" fill="hold"/>
+                                        <p:tgtEl>
+                                          <p:spTgt spid="10"/>
+                                        </p:tgtEl>
+                                        <p:attrNameLst>
+                                          <p:attrName>ppt_x</p:attrName>
+                                        </p:attrNameLst>
+                                      </p:cBhvr>
+                                      <p:tavLst>
+                                        <p:tav tm="0">
+                                          <p:val>
+                                            <p:strVal val="#ppt_x"/>
+                                          </p:val>
+                                        </p:tav>
+                                        <p:tav tm="100000">
+                                          <p:val>
+                                            <p:strVal val="#ppt_x"/>
+                                          </p:val>
+                                        </p:tav>
+                                      </p:tavLst>
+                                    </p:anim>
+                                    <p:anim calcmode="lin" valueType="num">
+                                      <p:cBhvr>
+                                        <p:cTn id="21" dur="1000" fill="hold"/>
+                                        <p:tgtEl>
+                                          <p:spTgt spid="10"/>
+                                        </p:tgtEl>
+                                        <p:attrNameLst>
+                                          <p:attrName>ppt_y</p:attrName>
+                                        </p:attrNameLst>
+                                      </p:cBhvr>
+                                      <p:tavLst>
+                                        <p:tav tm="0">
+                                          <p:val>
+                                            <p:strVal val="#ppt_y+.1"/>
+                                          </p:val>
+                                        </p:tav>
+                                        <p:tav tm="100000">
+                                          <p:val>
+                                            <p:strVal val="#ppt_y"/>
+                                          </p:val>
+                                        </p:tav>
+                                      </p:tavLst>
+                                    </p:anim>
+                                  </p:childTnLst>
+                                </p:cTn>
+                              </p:par>
+                            </p:childTnLst>
+                          </p:cTn>
+                        </p:par>
+                      </p:childTnLst>
+                    </p:cTn>
+                  </p:par>
+                </p:childTnLst>
+              </p:cTn>
+              <p:prevCondLst>
+                <p:cond evt="onPrev" delay="0">
+                  <p:tgtEl>
+                    <p:sldTgt/>
+                  </p:tgtEl>
+                </p:cond>
+              </p:prevCondLst>
+              <p:nextCondLst>
+                <p:cond evt="onNext" delay="0">
+                  <p:tgtEl>
+                    <p:sldTgt/>
+                  </p:tgtEl>
+                </p:cond>
+              </p:nextCondLst>
+            </p:seq>
+          </p:childTnLst>
+        </p:cTn>
+      </p:par>
+    </p:tnLst>
+  </p:timing>
 </p:sld>
 </file>
 
@@ -7709,7 +9326,7 @@
           <p:cNvPr id="2" name="Title 1">
             <a:extLst>
               <a:ext uri="{FF2B5EF4-FFF2-40B4-BE49-F238E27FC236}">
-                <a16:creationId xmlns:a16="http://schemas.microsoft.com/office/drawing/2014/main" id="{8B52FEFF-A058-49FC-9477-F47D63F5C103}"/>
+                <a16:creationId xmlns:a16="http://schemas.microsoft.com/office/drawing/2014/main" id="{F3E89BE3-F8F1-426F-82C7-9BADD996E9CB}"/>
               </a:ext>
             </a:extLst>
           </p:cNvPr>
@@ -7727,7 +9344,7 @@
           <a:p>
             <a:r>
               <a:rPr lang="en-US" dirty="0"/>
-              <a:t>SNA in R</a:t>
+              <a:t>Sources of Social Correlation in Networks</a:t>
             </a:r>
           </a:p>
         </p:txBody>
@@ -7737,7 +9354,7 @@
           <p:cNvPr id="3" name="Content Placeholder 2">
             <a:extLst>
               <a:ext uri="{FF2B5EF4-FFF2-40B4-BE49-F238E27FC236}">
-                <a16:creationId xmlns:a16="http://schemas.microsoft.com/office/drawing/2014/main" id="{FBFE9B77-6DA3-4001-90B3-71A86E668335}"/>
+                <a16:creationId xmlns:a16="http://schemas.microsoft.com/office/drawing/2014/main" id="{54331E19-C85F-4189-AFDE-88824A2D721E}"/>
               </a:ext>
             </a:extLst>
           </p:cNvPr>
@@ -7748,48 +9365,73 @@
             <p:ph idx="1"/>
           </p:nvPr>
         </p:nvSpPr>
-        <p:spPr/>
-        <p:txBody>
-          <a:bodyPr/>
-          <a:lstStyle/>
-          <a:p>
-            <a:r>
-              <a:rPr lang="en-US" dirty="0"/>
-              <a:t>Three major packages supporting network analysis</a:t>
+        <p:spPr>
+          <a:xfrm>
+            <a:off x="1097280" y="2108202"/>
+            <a:ext cx="10058400" cy="4074234"/>
+          </a:xfrm>
+        </p:spPr>
+        <p:txBody>
+          <a:bodyPr>
+            <a:normAutofit/>
+          </a:bodyPr>
+          <a:lstStyle/>
+          <a:p>
+            <a:r>
+              <a:rPr lang="en-US" sz="2400" b="1" dirty="0"/>
+              <a:t>Influence</a:t>
+            </a:r>
+            <a:r>
+              <a:rPr lang="en-US" sz="2400" dirty="0"/>
+              <a:t>: An individual performing an action can cause her contacts to do the same</a:t>
             </a:r>
           </a:p>
           <a:p>
             <a:pPr lvl="1"/>
             <a:r>
-              <a:rPr lang="en-US" dirty="0" err="1"/>
-              <a:t>Igraph</a:t>
-            </a:r>
-            <a:endParaRPr lang="en-US" dirty="0"/>
+              <a:rPr lang="en-US" sz="2000" dirty="0"/>
+              <a:t>By providing information</a:t>
+            </a:r>
           </a:p>
           <a:p>
             <a:pPr lvl="1"/>
             <a:r>
-              <a:rPr lang="en-US" dirty="0" err="1"/>
-              <a:t>Statnet</a:t>
-            </a:r>
-            <a:endParaRPr lang="en-US" dirty="0"/>
+              <a:rPr lang="en-US" sz="2000" dirty="0"/>
+              <a:t>By increasing the value of the action to them</a:t>
+            </a:r>
+          </a:p>
+          <a:p>
+            <a:r>
+              <a:rPr lang="en-US" sz="2400" b="1" dirty="0"/>
+              <a:t>Homophily</a:t>
+            </a:r>
+            <a:r>
+              <a:rPr lang="en-US" sz="2400" dirty="0"/>
+              <a:t>: Similar individuals are more likely to be friends</a:t>
+            </a:r>
           </a:p>
           <a:p>
             <a:pPr lvl="1"/>
             <a:r>
-              <a:rPr lang="en-US" dirty="0"/>
-              <a:t>SNA</a:t>
+              <a:rPr lang="en-US" sz="2000" dirty="0"/>
+              <a:t>Two criminologists are more likely to know each other than two random people</a:t>
+            </a:r>
+          </a:p>
+          <a:p>
+            <a:r>
+              <a:rPr lang="en-US" sz="2400" b="1" dirty="0"/>
+              <a:t>Environment</a:t>
+            </a:r>
+            <a:r>
+              <a:rPr lang="en-US" sz="2400" dirty="0"/>
+              <a:t>: Influence from external elements </a:t>
             </a:r>
           </a:p>
           <a:p>
             <a:pPr lvl="1"/>
-            <a:endParaRPr lang="en-US" dirty="0"/>
-          </a:p>
-          <a:p>
-            <a:pPr lvl="1"/>
-            <a:r>
-              <a:rPr lang="en-US" dirty="0"/>
-              <a:t>Download all packages using the standard installer through RStudio</a:t>
+            <a:r>
+              <a:rPr lang="en-US" sz="2000" dirty="0"/>
+              <a:t>Friends are more likely to live in the same area, thus attend and take pictures of similar events, and tag them with similar tag</a:t>
             </a:r>
           </a:p>
         </p:txBody>
@@ -7797,7 +9439,7 @@
     </p:spTree>
     <p:extLst>
       <p:ext uri="{BB962C8B-B14F-4D97-AF65-F5344CB8AC3E}">
-        <p14:creationId xmlns:p14="http://schemas.microsoft.com/office/powerpoint/2010/main" val="561044634"/>
+        <p14:creationId xmlns:p14="http://schemas.microsoft.com/office/powerpoint/2010/main" val="2602254985"/>
       </p:ext>
     </p:extLst>
   </p:cSld>
@@ -7826,10 +9468,10 @@
       </p:grpSpPr>
       <p:sp>
         <p:nvSpPr>
-          <p:cNvPr id="2" name="Title 1">
-            <a:extLst>
-              <a:ext uri="{FF2B5EF4-FFF2-40B4-BE49-F238E27FC236}">
-                <a16:creationId xmlns:a16="http://schemas.microsoft.com/office/drawing/2014/main" id="{612848D0-1EC5-43B6-853E-2189888E335D}"/>
+          <p:cNvPr id="5" name="Title 4">
+            <a:extLst>
+              <a:ext uri="{FF2B5EF4-FFF2-40B4-BE49-F238E27FC236}">
+                <a16:creationId xmlns:a16="http://schemas.microsoft.com/office/drawing/2014/main" id="{F500C041-2B9D-4177-BB9F-9AD2421CB3ED}"/>
               </a:ext>
             </a:extLst>
           </p:cNvPr>
@@ -7847,17 +9489,17 @@
           <a:p>
             <a:r>
               <a:rPr lang="en-US" dirty="0"/>
-              <a:t>Food for thought</a:t>
-            </a:r>
-          </a:p>
-        </p:txBody>
-      </p:sp>
-      <p:sp>
-        <p:nvSpPr>
-          <p:cNvPr id="3" name="Content Placeholder 2">
-            <a:extLst>
-              <a:ext uri="{FF2B5EF4-FFF2-40B4-BE49-F238E27FC236}">
-                <a16:creationId xmlns:a16="http://schemas.microsoft.com/office/drawing/2014/main" id="{1EFC43CA-3A23-4FC7-9691-9D3942158F5D}"/>
+              <a:t>Network analysis metrics</a:t>
+            </a:r>
+          </a:p>
+        </p:txBody>
+      </p:sp>
+      <p:sp>
+        <p:nvSpPr>
+          <p:cNvPr id="6" name="Content Placeholder 5">
+            <a:extLst>
+              <a:ext uri="{FF2B5EF4-FFF2-40B4-BE49-F238E27FC236}">
+                <a16:creationId xmlns:a16="http://schemas.microsoft.com/office/drawing/2014/main" id="{744265E4-24CD-4862-9B56-9524A61B46DA}"/>
               </a:ext>
             </a:extLst>
           </p:cNvPr>
@@ -7870,88 +9512,82 @@
         </p:nvSpPr>
         <p:spPr/>
         <p:txBody>
-          <a:bodyPr/>
-          <a:lstStyle/>
-          <a:p>
-            <a:r>
-              <a:rPr lang="en-US" dirty="0"/>
-              <a:t>In thinking about your research goals, consider the following the questions: </a:t>
-            </a:r>
-          </a:p>
-          <a:p>
-            <a:pPr marL="544068" lvl="1" indent="-342900">
-              <a:buFont typeface="+mj-lt"/>
-              <a:buAutoNum type="arabicPeriod"/>
-            </a:pPr>
-            <a:r>
-              <a:rPr lang="en-US" dirty="0"/>
-              <a:t>what is the central </a:t>
-            </a:r>
-            <a:r>
-              <a:rPr lang="en-US" b="1" dirty="0"/>
-              <a:t>problem</a:t>
-            </a:r>
-            <a:r>
-              <a:rPr lang="en-US" dirty="0"/>
-              <a:t> of your research and why it is worth investigating, </a:t>
-            </a:r>
-          </a:p>
-          <a:p>
-            <a:pPr marL="544068" lvl="1" indent="-342900">
-              <a:buFont typeface="+mj-lt"/>
-              <a:buAutoNum type="arabicPeriod"/>
-            </a:pPr>
-            <a:r>
-              <a:rPr lang="en-US" dirty="0"/>
-              <a:t>what </a:t>
-            </a:r>
-            <a:r>
-              <a:rPr lang="en-US" b="1" dirty="0"/>
-              <a:t>phenomenon</a:t>
-            </a:r>
-            <a:r>
-              <a:rPr lang="en-US" dirty="0"/>
-              <a:t> you are studying, in which </a:t>
-            </a:r>
-            <a:r>
-              <a:rPr lang="en-US" b="1" dirty="0"/>
-              <a:t>context</a:t>
-            </a:r>
-            <a:r>
-              <a:rPr lang="en-US" dirty="0"/>
-              <a:t>, and what key </a:t>
-            </a:r>
-            <a:r>
-              <a:rPr lang="en-US" b="1" dirty="0"/>
-              <a:t>question(s)</a:t>
-            </a:r>
-            <a:r>
-              <a:rPr lang="en-US" dirty="0"/>
-              <a:t> you have about the phenomenon, and</a:t>
-            </a:r>
-          </a:p>
-          <a:p>
-            <a:pPr marL="544068" lvl="1" indent="-342900">
-              <a:buFont typeface="+mj-lt"/>
-              <a:buAutoNum type="arabicPeriod"/>
-            </a:pPr>
-            <a:r>
-              <a:rPr lang="en-US" dirty="0"/>
-              <a:t>why SNA is potentially fruitful based on your current understanding.</a:t>
-            </a:r>
-          </a:p>
-          <a:p>
-            <a:r>
-              <a:rPr lang="en-US" dirty="0"/>
-              <a:t>SNA can be conceptualized as a variable for another type of analysis or can be used in and of itself to examine structural relationships/attributes</a:t>
-            </a:r>
+          <a:bodyPr>
+            <a:normAutofit fontScale="92500" lnSpcReduction="10000"/>
+          </a:bodyPr>
+          <a:lstStyle/>
+          <a:p>
+            <a:r>
+              <a:rPr lang="en-US" sz="2800" dirty="0"/>
+              <a:t>Aggregate Networks Metrics</a:t>
+            </a:r>
+          </a:p>
+          <a:p>
+            <a:pPr lvl="1"/>
+            <a:r>
+              <a:rPr lang="en-US" sz="2400" dirty="0"/>
+              <a:t>Density: cohesion, solidarity, membership</a:t>
+            </a:r>
+          </a:p>
+          <a:p>
+            <a:pPr lvl="1"/>
+            <a:r>
+              <a:rPr lang="en-US" sz="2600" dirty="0"/>
+              <a:t>Degree centrality</a:t>
+            </a:r>
+          </a:p>
+          <a:p>
+            <a:pPr lvl="2"/>
+            <a:r>
+              <a:rPr lang="en-US" sz="2200" dirty="0"/>
+              <a:t>Betweenness centralities</a:t>
+            </a:r>
+          </a:p>
+          <a:p>
+            <a:pPr lvl="3"/>
+            <a:r>
+              <a:rPr lang="en-US" sz="2200" dirty="0"/>
+              <a:t>Do people “bridge” others on the boundary?</a:t>
+            </a:r>
+          </a:p>
+          <a:p>
+            <a:pPr lvl="2"/>
+            <a:r>
+              <a:rPr lang="en-US" sz="2200" dirty="0"/>
+              <a:t>Closeness Centrality</a:t>
+            </a:r>
+          </a:p>
+          <a:p>
+            <a:pPr lvl="3"/>
+            <a:r>
+              <a:rPr lang="en-US" sz="2200" dirty="0"/>
+              <a:t>How close are people to others?</a:t>
+            </a:r>
+          </a:p>
+          <a:p>
+            <a:pPr lvl="1"/>
+            <a:r>
+              <a:rPr lang="en-US" sz="2800" dirty="0"/>
+              <a:t>Clustering Coefficient</a:t>
+            </a:r>
+          </a:p>
+          <a:p>
+            <a:pPr lvl="2"/>
+            <a:r>
+              <a:rPr lang="en-US" sz="2400" dirty="0"/>
+              <a:t>How connected are my “friends”?</a:t>
+            </a:r>
+          </a:p>
+          <a:p>
+            <a:pPr lvl="3"/>
+            <a:endParaRPr lang="en-US" sz="2200" dirty="0"/>
           </a:p>
         </p:txBody>
       </p:sp>
     </p:spTree>
     <p:extLst>
       <p:ext uri="{BB962C8B-B14F-4D97-AF65-F5344CB8AC3E}">
-        <p14:creationId xmlns:p14="http://schemas.microsoft.com/office/powerpoint/2010/main" val="1931716736"/>
+        <p14:creationId xmlns:p14="http://schemas.microsoft.com/office/powerpoint/2010/main" val="752725595"/>
       </p:ext>
     </p:extLst>
   </p:cSld>
@@ -7980,44 +9616,88 @@
       </p:grpSpPr>
       <p:sp>
         <p:nvSpPr>
-          <p:cNvPr id="7" name="TextBox 6">
-            <a:extLst>
-              <a:ext uri="{FF2B5EF4-FFF2-40B4-BE49-F238E27FC236}">
-                <a16:creationId xmlns:a16="http://schemas.microsoft.com/office/drawing/2014/main" id="{3AED57F6-7E8B-42DC-A1AC-EA52CAF526F1}"/>
-              </a:ext>
-            </a:extLst>
-          </p:cNvPr>
-          <p:cNvSpPr txBox="1"/>
-          <p:nvPr/>
-        </p:nvSpPr>
-        <p:spPr>
-          <a:xfrm>
-            <a:off x="787400" y="800100"/>
-            <a:ext cx="10261600" cy="2585323"/>
-          </a:xfrm>
-          <a:prstGeom prst="rect">
-            <a:avLst/>
-          </a:prstGeom>
-          <a:noFill/>
-        </p:spPr>
-        <p:txBody>
-          <a:bodyPr wrap="square" rtlCol="0">
-            <a:spAutoFit/>
+          <p:cNvPr id="2" name="Title 1">
+            <a:extLst>
+              <a:ext uri="{FF2B5EF4-FFF2-40B4-BE49-F238E27FC236}">
+                <a16:creationId xmlns:a16="http://schemas.microsoft.com/office/drawing/2014/main" id="{D6574617-0794-4CE3-A440-8026CA09436D}"/>
+              </a:ext>
+            </a:extLst>
+          </p:cNvPr>
+          <p:cNvSpPr>
+            <a:spLocks noGrp="1"/>
+          </p:cNvSpPr>
+          <p:nvPr>
+            <p:ph type="title"/>
+          </p:nvPr>
+        </p:nvSpPr>
+        <p:spPr/>
+        <p:txBody>
+          <a:bodyPr/>
+          <a:lstStyle/>
+          <a:p>
+            <a:r>
+              <a:rPr lang="en-US" dirty="0"/>
+              <a:t>Tools for network analysis</a:t>
+            </a:r>
+          </a:p>
+        </p:txBody>
+      </p:sp>
+      <p:sp>
+        <p:nvSpPr>
+          <p:cNvPr id="3" name="Content Placeholder 2">
+            <a:extLst>
+              <a:ext uri="{FF2B5EF4-FFF2-40B4-BE49-F238E27FC236}">
+                <a16:creationId xmlns:a16="http://schemas.microsoft.com/office/drawing/2014/main" id="{DE733278-FF33-43CD-AE06-ACC980A0C417}"/>
+              </a:ext>
+            </a:extLst>
+          </p:cNvPr>
+          <p:cNvSpPr>
+            <a:spLocks noGrp="1"/>
+          </p:cNvSpPr>
+          <p:nvPr>
+            <p:ph idx="1"/>
+          </p:nvPr>
+        </p:nvSpPr>
+        <p:spPr/>
+        <p:txBody>
+          <a:bodyPr>
+            <a:normAutofit/>
           </a:bodyPr>
           <a:lstStyle/>
           <a:p>
-            <a:pPr algn="ctr"/>
-            <a:r>
-              <a:rPr lang="en-US" sz="5400" dirty="0"/>
-              <a:t>Follow the steps in the R markdown file with the file that is located here</a:t>
-            </a:r>
+            <a:r>
+              <a:rPr lang="en-US" sz="2400" dirty="0"/>
+              <a:t>Python, R or other programming languages and the application programmer interfaces (API)</a:t>
+            </a:r>
+          </a:p>
+          <a:p>
+            <a:r>
+              <a:rPr lang="en-US" sz="2400" dirty="0"/>
+              <a:t>Single tool designed for nonprogrammers</a:t>
+            </a:r>
+          </a:p>
+          <a:p>
+            <a:pPr lvl="1"/>
+            <a:r>
+              <a:rPr lang="en-US" sz="2200" dirty="0" err="1"/>
+              <a:t>NodeXL</a:t>
+            </a:r>
+            <a:endParaRPr lang="en-US" sz="2200" dirty="0"/>
+          </a:p>
+          <a:p>
+            <a:pPr lvl="1"/>
+            <a:r>
+              <a:rPr lang="en-US" sz="2200" dirty="0" err="1"/>
+              <a:t>Gephi</a:t>
+            </a:r>
+            <a:endParaRPr lang="en-US" sz="2200" dirty="0"/>
           </a:p>
         </p:txBody>
       </p:sp>
     </p:spTree>
     <p:extLst>
       <p:ext uri="{BB962C8B-B14F-4D97-AF65-F5344CB8AC3E}">
-        <p14:creationId xmlns:p14="http://schemas.microsoft.com/office/powerpoint/2010/main" val="2959314397"/>
+        <p14:creationId xmlns:p14="http://schemas.microsoft.com/office/powerpoint/2010/main" val="2914460217"/>
       </p:ext>
     </p:extLst>
   </p:cSld>
@@ -8046,6 +9726,354 @@
       </p:grpSpPr>
       <p:sp>
         <p:nvSpPr>
+          <p:cNvPr id="2" name="Title 1">
+            <a:extLst>
+              <a:ext uri="{FF2B5EF4-FFF2-40B4-BE49-F238E27FC236}">
+                <a16:creationId xmlns:a16="http://schemas.microsoft.com/office/drawing/2014/main" id="{8B52FEFF-A058-49FC-9477-F47D63F5C103}"/>
+              </a:ext>
+            </a:extLst>
+          </p:cNvPr>
+          <p:cNvSpPr>
+            <a:spLocks noGrp="1"/>
+          </p:cNvSpPr>
+          <p:nvPr>
+            <p:ph type="title"/>
+          </p:nvPr>
+        </p:nvSpPr>
+        <p:spPr/>
+        <p:txBody>
+          <a:bodyPr/>
+          <a:lstStyle/>
+          <a:p>
+            <a:r>
+              <a:rPr lang="en-US" dirty="0"/>
+              <a:t>SNA in R</a:t>
+            </a:r>
+          </a:p>
+        </p:txBody>
+      </p:sp>
+      <p:sp>
+        <p:nvSpPr>
+          <p:cNvPr id="3" name="Content Placeholder 2">
+            <a:extLst>
+              <a:ext uri="{FF2B5EF4-FFF2-40B4-BE49-F238E27FC236}">
+                <a16:creationId xmlns:a16="http://schemas.microsoft.com/office/drawing/2014/main" id="{FBFE9B77-6DA3-4001-90B3-71A86E668335}"/>
+              </a:ext>
+            </a:extLst>
+          </p:cNvPr>
+          <p:cNvSpPr>
+            <a:spLocks noGrp="1"/>
+          </p:cNvSpPr>
+          <p:nvPr>
+            <p:ph idx="1"/>
+          </p:nvPr>
+        </p:nvSpPr>
+        <p:spPr/>
+        <p:txBody>
+          <a:bodyPr/>
+          <a:lstStyle/>
+          <a:p>
+            <a:r>
+              <a:rPr lang="en-US" dirty="0"/>
+              <a:t>Three major packages supporting network analysis</a:t>
+            </a:r>
+          </a:p>
+          <a:p>
+            <a:pPr lvl="1"/>
+            <a:r>
+              <a:rPr lang="en-US" dirty="0" err="1"/>
+              <a:t>Igraph</a:t>
+            </a:r>
+            <a:endParaRPr lang="en-US" dirty="0"/>
+          </a:p>
+          <a:p>
+            <a:pPr lvl="1"/>
+            <a:r>
+              <a:rPr lang="en-US" dirty="0" err="1"/>
+              <a:t>Statnet</a:t>
+            </a:r>
+            <a:endParaRPr lang="en-US" dirty="0"/>
+          </a:p>
+          <a:p>
+            <a:pPr lvl="1"/>
+            <a:r>
+              <a:rPr lang="en-US" dirty="0"/>
+              <a:t>SNA</a:t>
+            </a:r>
+          </a:p>
+          <a:p>
+            <a:pPr lvl="1"/>
+            <a:endParaRPr lang="en-US" dirty="0"/>
+          </a:p>
+          <a:p>
+            <a:pPr lvl="1"/>
+            <a:r>
+              <a:rPr lang="en-US" dirty="0"/>
+              <a:t>Download all packages using the standard installer through RStudio</a:t>
+            </a:r>
+          </a:p>
+        </p:txBody>
+      </p:sp>
+    </p:spTree>
+    <p:extLst>
+      <p:ext uri="{BB962C8B-B14F-4D97-AF65-F5344CB8AC3E}">
+        <p14:creationId xmlns:p14="http://schemas.microsoft.com/office/powerpoint/2010/main" val="561044634"/>
+      </p:ext>
+    </p:extLst>
+  </p:cSld>
+  <p:clrMapOvr>
+    <a:masterClrMapping/>
+  </p:clrMapOvr>
+</p:sld>
+</file>
+
+<file path=ppt/slides/slide26.xml><?xml version="1.0" encoding="utf-8"?>
+<p:sld xmlns:a="http://schemas.openxmlformats.org/drawingml/2006/main" xmlns:r="http://schemas.openxmlformats.org/officeDocument/2006/relationships" xmlns:p="http://schemas.openxmlformats.org/presentationml/2006/main">
+  <p:cSld>
+    <p:spTree>
+      <p:nvGrpSpPr>
+        <p:cNvPr id="1" name=""/>
+        <p:cNvGrpSpPr/>
+        <p:nvPr/>
+      </p:nvGrpSpPr>
+      <p:grpSpPr>
+        <a:xfrm>
+          <a:off x="0" y="0"/>
+          <a:ext cx="0" cy="0"/>
+          <a:chOff x="0" y="0"/>
+          <a:chExt cx="0" cy="0"/>
+        </a:xfrm>
+      </p:grpSpPr>
+      <p:sp>
+        <p:nvSpPr>
+          <p:cNvPr id="2" name="Title 1">
+            <a:extLst>
+              <a:ext uri="{FF2B5EF4-FFF2-40B4-BE49-F238E27FC236}">
+                <a16:creationId xmlns:a16="http://schemas.microsoft.com/office/drawing/2014/main" id="{612848D0-1EC5-43B6-853E-2189888E335D}"/>
+              </a:ext>
+            </a:extLst>
+          </p:cNvPr>
+          <p:cNvSpPr>
+            <a:spLocks noGrp="1"/>
+          </p:cNvSpPr>
+          <p:nvPr>
+            <p:ph type="title"/>
+          </p:nvPr>
+        </p:nvSpPr>
+        <p:spPr/>
+        <p:txBody>
+          <a:bodyPr/>
+          <a:lstStyle/>
+          <a:p>
+            <a:r>
+              <a:rPr lang="en-US" dirty="0"/>
+              <a:t>Food for thought</a:t>
+            </a:r>
+          </a:p>
+        </p:txBody>
+      </p:sp>
+      <p:sp>
+        <p:nvSpPr>
+          <p:cNvPr id="3" name="Content Placeholder 2">
+            <a:extLst>
+              <a:ext uri="{FF2B5EF4-FFF2-40B4-BE49-F238E27FC236}">
+                <a16:creationId xmlns:a16="http://schemas.microsoft.com/office/drawing/2014/main" id="{1EFC43CA-3A23-4FC7-9691-9D3942158F5D}"/>
+              </a:ext>
+            </a:extLst>
+          </p:cNvPr>
+          <p:cNvSpPr>
+            <a:spLocks noGrp="1"/>
+          </p:cNvSpPr>
+          <p:nvPr>
+            <p:ph idx="1"/>
+          </p:nvPr>
+        </p:nvSpPr>
+        <p:spPr/>
+        <p:txBody>
+          <a:bodyPr/>
+          <a:lstStyle/>
+          <a:p>
+            <a:r>
+              <a:rPr lang="en-US" dirty="0"/>
+              <a:t>In thinking about your research goals, consider the following the questions: </a:t>
+            </a:r>
+          </a:p>
+          <a:p>
+            <a:pPr marL="544068" lvl="1" indent="-342900">
+              <a:buFont typeface="+mj-lt"/>
+              <a:buAutoNum type="arabicPeriod"/>
+            </a:pPr>
+            <a:r>
+              <a:rPr lang="en-US" dirty="0"/>
+              <a:t>what is the central </a:t>
+            </a:r>
+            <a:r>
+              <a:rPr lang="en-US" b="1" dirty="0"/>
+              <a:t>problem</a:t>
+            </a:r>
+            <a:r>
+              <a:rPr lang="en-US" dirty="0"/>
+              <a:t> of your research and why it is worth investigating, </a:t>
+            </a:r>
+          </a:p>
+          <a:p>
+            <a:pPr marL="544068" lvl="1" indent="-342900">
+              <a:buFont typeface="+mj-lt"/>
+              <a:buAutoNum type="arabicPeriod"/>
+            </a:pPr>
+            <a:r>
+              <a:rPr lang="en-US" dirty="0"/>
+              <a:t>what </a:t>
+            </a:r>
+            <a:r>
+              <a:rPr lang="en-US" b="1" dirty="0"/>
+              <a:t>phenomenon</a:t>
+            </a:r>
+            <a:r>
+              <a:rPr lang="en-US" dirty="0"/>
+              <a:t> you are studying, in which </a:t>
+            </a:r>
+            <a:r>
+              <a:rPr lang="en-US" b="1" dirty="0"/>
+              <a:t>context</a:t>
+            </a:r>
+            <a:r>
+              <a:rPr lang="en-US" dirty="0"/>
+              <a:t>, and what key </a:t>
+            </a:r>
+            <a:r>
+              <a:rPr lang="en-US" b="1" dirty="0"/>
+              <a:t>question(s)</a:t>
+            </a:r>
+            <a:r>
+              <a:rPr lang="en-US" dirty="0"/>
+              <a:t> do you have about the phenomenon, and</a:t>
+            </a:r>
+          </a:p>
+          <a:p>
+            <a:pPr marL="544068" lvl="1" indent="-342900">
+              <a:buFont typeface="+mj-lt"/>
+              <a:buAutoNum type="arabicPeriod"/>
+            </a:pPr>
+            <a:r>
+              <a:rPr lang="en-US" dirty="0"/>
+              <a:t>why is SNA potentially </a:t>
+            </a:r>
+            <a:r>
+              <a:rPr lang="en-US" b="1" dirty="0"/>
+              <a:t>useful</a:t>
+            </a:r>
+            <a:r>
+              <a:rPr lang="en-US" dirty="0"/>
+              <a:t> for addressing the question.</a:t>
+            </a:r>
+          </a:p>
+          <a:p>
+            <a:r>
+              <a:rPr lang="en-US" dirty="0"/>
+              <a:t>SNA can be conceptualized as a variable for another type of analysis or can be used in and of itself to examine structural relationships/attributes</a:t>
+            </a:r>
+          </a:p>
+        </p:txBody>
+      </p:sp>
+    </p:spTree>
+    <p:extLst>
+      <p:ext uri="{BB962C8B-B14F-4D97-AF65-F5344CB8AC3E}">
+        <p14:creationId xmlns:p14="http://schemas.microsoft.com/office/powerpoint/2010/main" val="1931716736"/>
+      </p:ext>
+    </p:extLst>
+  </p:cSld>
+  <p:clrMapOvr>
+    <a:masterClrMapping/>
+  </p:clrMapOvr>
+</p:sld>
+</file>
+
+<file path=ppt/slides/slide27.xml><?xml version="1.0" encoding="utf-8"?>
+<p:sld xmlns:a="http://schemas.openxmlformats.org/drawingml/2006/main" xmlns:r="http://schemas.openxmlformats.org/officeDocument/2006/relationships" xmlns:p="http://schemas.openxmlformats.org/presentationml/2006/main">
+  <p:cSld>
+    <p:spTree>
+      <p:nvGrpSpPr>
+        <p:cNvPr id="1" name=""/>
+        <p:cNvGrpSpPr/>
+        <p:nvPr/>
+      </p:nvGrpSpPr>
+      <p:grpSpPr>
+        <a:xfrm>
+          <a:off x="0" y="0"/>
+          <a:ext cx="0" cy="0"/>
+          <a:chOff x="0" y="0"/>
+          <a:chExt cx="0" cy="0"/>
+        </a:xfrm>
+      </p:grpSpPr>
+      <p:sp>
+        <p:nvSpPr>
+          <p:cNvPr id="7" name="TextBox 6">
+            <a:extLst>
+              <a:ext uri="{FF2B5EF4-FFF2-40B4-BE49-F238E27FC236}">
+                <a16:creationId xmlns:a16="http://schemas.microsoft.com/office/drawing/2014/main" id="{3AED57F6-7E8B-42DC-A1AC-EA52CAF526F1}"/>
+              </a:ext>
+            </a:extLst>
+          </p:cNvPr>
+          <p:cNvSpPr txBox="1"/>
+          <p:nvPr/>
+        </p:nvSpPr>
+        <p:spPr>
+          <a:xfrm>
+            <a:off x="787400" y="800100"/>
+            <a:ext cx="10261600" cy="2585323"/>
+          </a:xfrm>
+          <a:prstGeom prst="rect">
+            <a:avLst/>
+          </a:prstGeom>
+          <a:noFill/>
+        </p:spPr>
+        <p:txBody>
+          <a:bodyPr wrap="square" rtlCol="0">
+            <a:spAutoFit/>
+          </a:bodyPr>
+          <a:lstStyle/>
+          <a:p>
+            <a:pPr algn="ctr"/>
+            <a:r>
+              <a:rPr lang="en-US" sz="5400" dirty="0"/>
+              <a:t>Follow the steps in the R markdown file with the file that is located here</a:t>
+            </a:r>
+          </a:p>
+        </p:txBody>
+      </p:sp>
+    </p:spTree>
+    <p:extLst>
+      <p:ext uri="{BB962C8B-B14F-4D97-AF65-F5344CB8AC3E}">
+        <p14:creationId xmlns:p14="http://schemas.microsoft.com/office/powerpoint/2010/main" val="2959314397"/>
+      </p:ext>
+    </p:extLst>
+  </p:cSld>
+  <p:clrMapOvr>
+    <a:masterClrMapping/>
+  </p:clrMapOvr>
+</p:sld>
+</file>
+
+<file path=ppt/slides/slide28.xml><?xml version="1.0" encoding="utf-8"?>
+<p:sld xmlns:a="http://schemas.openxmlformats.org/drawingml/2006/main" xmlns:r="http://schemas.openxmlformats.org/officeDocument/2006/relationships" xmlns:p="http://schemas.openxmlformats.org/presentationml/2006/main">
+  <p:cSld>
+    <p:spTree>
+      <p:nvGrpSpPr>
+        <p:cNvPr id="1" name=""/>
+        <p:cNvGrpSpPr/>
+        <p:nvPr/>
+      </p:nvGrpSpPr>
+      <p:grpSpPr>
+        <a:xfrm>
+          <a:off x="0" y="0"/>
+          <a:ext cx="0" cy="0"/>
+          <a:chOff x="0" y="0"/>
+          <a:chExt cx="0" cy="0"/>
+        </a:xfrm>
+      </p:grpSpPr>
+      <p:sp>
+        <p:nvSpPr>
           <p:cNvPr id="7" name="TextBox 6">
             <a:extLst>
               <a:ext uri="{FF2B5EF4-FFF2-40B4-BE49-F238E27FC236}">
@@ -8104,7 +10132,7 @@
 </p:sld>
 </file>
 
-<file path=ppt/slides/slide26.xml><?xml version="1.0" encoding="utf-8"?>
+<file path=ppt/slides/slide29.xml><?xml version="1.0" encoding="utf-8"?>
 <p:sld xmlns:a="http://schemas.openxmlformats.org/drawingml/2006/main" xmlns:r="http://schemas.openxmlformats.org/officeDocument/2006/relationships" xmlns:p="http://schemas.openxmlformats.org/presentationml/2006/main">
   <p:cSld>
     <p:spTree>
@@ -9533,96 +11561,6 @@
           <p:cNvPr id="2" name="Title 1">
             <a:extLst>
               <a:ext uri="{FF2B5EF4-FFF2-40B4-BE49-F238E27FC236}">
-                <a16:creationId xmlns:a16="http://schemas.microsoft.com/office/drawing/2014/main" id="{85AD3989-8349-45A4-B4DA-143590B62E6B}"/>
-              </a:ext>
-            </a:extLst>
-          </p:cNvPr>
-          <p:cNvSpPr>
-            <a:spLocks noGrp="1"/>
-          </p:cNvSpPr>
-          <p:nvPr>
-            <p:ph type="title"/>
-          </p:nvPr>
-        </p:nvSpPr>
-        <p:spPr/>
-        <p:txBody>
-          <a:bodyPr/>
-          <a:lstStyle/>
-          <a:p>
-            <a:r>
-              <a:rPr lang="en-US" dirty="0"/>
-              <a:t>One and Two- Node Networks</a:t>
-            </a:r>
-          </a:p>
-        </p:txBody>
-      </p:sp>
-      <p:pic>
-        <p:nvPicPr>
-          <p:cNvPr id="4" name="Content Placeholder 3">
-            <a:extLst>
-              <a:ext uri="{FF2B5EF4-FFF2-40B4-BE49-F238E27FC236}">
-                <a16:creationId xmlns:a16="http://schemas.microsoft.com/office/drawing/2014/main" id="{03366B63-6F29-46BD-9EA7-C5F0D1FC6ACC}"/>
-              </a:ext>
-            </a:extLst>
-          </p:cNvPr>
-          <p:cNvPicPr>
-            <a:picLocks noGrp="1" noChangeAspect="1"/>
-          </p:cNvPicPr>
-          <p:nvPr>
-            <p:ph idx="1"/>
-          </p:nvPr>
-        </p:nvPicPr>
-        <p:blipFill>
-          <a:blip r:embed="rId2"/>
-          <a:stretch>
-            <a:fillRect/>
-          </a:stretch>
-        </p:blipFill>
-        <p:spPr>
-          <a:xfrm>
-            <a:off x="1720183" y="2108200"/>
-            <a:ext cx="8811959" cy="3760788"/>
-          </a:xfrm>
-          <a:prstGeom prst="rect">
-            <a:avLst/>
-          </a:prstGeom>
-        </p:spPr>
-      </p:pic>
-    </p:spTree>
-    <p:extLst>
-      <p:ext uri="{BB962C8B-B14F-4D97-AF65-F5344CB8AC3E}">
-        <p14:creationId xmlns:p14="http://schemas.microsoft.com/office/powerpoint/2010/main" val="351863798"/>
-      </p:ext>
-    </p:extLst>
-  </p:cSld>
-  <p:clrMapOvr>
-    <a:masterClrMapping/>
-  </p:clrMapOvr>
-</p:sld>
-</file>
-
-<file path=ppt/slides/slide8.xml><?xml version="1.0" encoding="utf-8"?>
-<p:sld xmlns:a="http://schemas.openxmlformats.org/drawingml/2006/main" xmlns:r="http://schemas.openxmlformats.org/officeDocument/2006/relationships" xmlns:p="http://schemas.openxmlformats.org/presentationml/2006/main">
-  <p:cSld>
-    <p:spTree>
-      <p:nvGrpSpPr>
-        <p:cNvPr id="1" name=""/>
-        <p:cNvGrpSpPr/>
-        <p:nvPr/>
-      </p:nvGrpSpPr>
-      <p:grpSpPr>
-        <a:xfrm>
-          <a:off x="0" y="0"/>
-          <a:ext cx="0" cy="0"/>
-          <a:chOff x="0" y="0"/>
-          <a:chExt cx="0" cy="0"/>
-        </a:xfrm>
-      </p:grpSpPr>
-      <p:sp>
-        <p:nvSpPr>
-          <p:cNvPr id="2" name="Title 1">
-            <a:extLst>
-              <a:ext uri="{FF2B5EF4-FFF2-40B4-BE49-F238E27FC236}">
                 <a16:creationId xmlns:a16="http://schemas.microsoft.com/office/drawing/2014/main" id="{8852B8F8-B2D3-46C8-9BFD-B0E25BE07C9D}"/>
               </a:ext>
             </a:extLst>
@@ -10120,7 +12058,7 @@
 </p:sld>
 </file>
 
-<file path=ppt/slides/slide9.xml><?xml version="1.0" encoding="utf-8"?>
+<file path=ppt/slides/slide8.xml><?xml version="1.0" encoding="utf-8"?>
 <p:sld xmlns:a="http://schemas.openxmlformats.org/drawingml/2006/main" xmlns:r="http://schemas.openxmlformats.org/officeDocument/2006/relationships" xmlns:p="http://schemas.openxmlformats.org/presentationml/2006/main">
   <p:cSld>
     <p:spTree>
@@ -10597,6 +12535,131 @@
     <p:extLst>
       <p:ext uri="{BB962C8B-B14F-4D97-AF65-F5344CB8AC3E}">
         <p14:creationId xmlns:p14="http://schemas.microsoft.com/office/powerpoint/2010/main" val="813344192"/>
+      </p:ext>
+    </p:extLst>
+  </p:cSld>
+  <p:clrMapOvr>
+    <a:masterClrMapping/>
+  </p:clrMapOvr>
+</p:sld>
+</file>
+
+<file path=ppt/slides/slide9.xml><?xml version="1.0" encoding="utf-8"?>
+<p:sld xmlns:a="http://schemas.openxmlformats.org/drawingml/2006/main" xmlns:r="http://schemas.openxmlformats.org/officeDocument/2006/relationships" xmlns:p="http://schemas.openxmlformats.org/presentationml/2006/main">
+  <p:cSld>
+    <p:spTree>
+      <p:nvGrpSpPr>
+        <p:cNvPr id="1" name=""/>
+        <p:cNvGrpSpPr/>
+        <p:nvPr/>
+      </p:nvGrpSpPr>
+      <p:grpSpPr>
+        <a:xfrm>
+          <a:off x="0" y="0"/>
+          <a:ext cx="0" cy="0"/>
+          <a:chOff x="0" y="0"/>
+          <a:chExt cx="0" cy="0"/>
+        </a:xfrm>
+      </p:grpSpPr>
+      <p:sp>
+        <p:nvSpPr>
+          <p:cNvPr id="2" name="Title 1">
+            <a:extLst>
+              <a:ext uri="{FF2B5EF4-FFF2-40B4-BE49-F238E27FC236}">
+                <a16:creationId xmlns:a16="http://schemas.microsoft.com/office/drawing/2014/main" id="{2DA1112C-255C-4332-AB53-DF52939E4A71}"/>
+              </a:ext>
+            </a:extLst>
+          </p:cNvPr>
+          <p:cNvSpPr>
+            <a:spLocks noGrp="1"/>
+          </p:cNvSpPr>
+          <p:nvPr>
+            <p:ph type="title"/>
+          </p:nvPr>
+        </p:nvSpPr>
+        <p:spPr/>
+        <p:txBody>
+          <a:bodyPr/>
+          <a:lstStyle/>
+          <a:p>
+            <a:pPr algn="ctr"/>
+            <a:r>
+              <a:rPr lang="en-US" dirty="0"/>
+              <a:t>Arc Edges</a:t>
+            </a:r>
+          </a:p>
+        </p:txBody>
+      </p:sp>
+      <p:sp>
+        <p:nvSpPr>
+          <p:cNvPr id="3" name="Content Placeholder 2">
+            <a:extLst>
+              <a:ext uri="{FF2B5EF4-FFF2-40B4-BE49-F238E27FC236}">
+                <a16:creationId xmlns:a16="http://schemas.microsoft.com/office/drawing/2014/main" id="{3E0D46B5-9FEE-4FC6-A578-60DF20EE161A}"/>
+              </a:ext>
+            </a:extLst>
+          </p:cNvPr>
+          <p:cNvSpPr>
+            <a:spLocks noGrp="1"/>
+          </p:cNvSpPr>
+          <p:nvPr>
+            <p:ph idx="1"/>
+          </p:nvPr>
+        </p:nvSpPr>
+        <p:spPr/>
+        <p:txBody>
+          <a:bodyPr>
+            <a:normAutofit/>
+          </a:bodyPr>
+          <a:lstStyle/>
+          <a:p>
+            <a:pPr algn="ctr"/>
+            <a:r>
+              <a:rPr lang="en-US" sz="6000" b="1" dirty="0">
+                <a:solidFill>
+                  <a:schemeClr val="accent2">
+                    <a:lumMod val="60000"/>
+                    <a:lumOff val="40000"/>
+                  </a:schemeClr>
+                </a:solidFill>
+              </a:rPr>
+              <a:t>Weighted</a:t>
+            </a:r>
+          </a:p>
+          <a:p>
+            <a:pPr algn="ctr"/>
+            <a:r>
+              <a:rPr lang="en-US" sz="6000" b="1" dirty="0">
+                <a:solidFill>
+                  <a:schemeClr val="accent2">
+                    <a:lumMod val="60000"/>
+                    <a:lumOff val="40000"/>
+                  </a:schemeClr>
+                </a:solidFill>
+              </a:rPr>
+              <a:t>Unweighted</a:t>
+            </a:r>
+          </a:p>
+          <a:p>
+            <a:pPr algn="ctr"/>
+            <a:r>
+              <a:rPr lang="en-US" sz="6000" b="1" dirty="0">
+                <a:solidFill>
+                  <a:schemeClr val="accent2">
+                    <a:lumMod val="60000"/>
+                    <a:lumOff val="40000"/>
+                  </a:schemeClr>
+                </a:solidFill>
+              </a:rPr>
+              <a:t>(a.k.a. dichotomous or binary)</a:t>
+            </a:r>
+          </a:p>
+        </p:txBody>
+      </p:sp>
+    </p:spTree>
+    <p:extLst>
+      <p:ext uri="{BB962C8B-B14F-4D97-AF65-F5344CB8AC3E}">
+        <p14:creationId xmlns:p14="http://schemas.microsoft.com/office/powerpoint/2010/main" val="585826038"/>
       </p:ext>
     </p:extLst>
   </p:cSld>
